--- a/데이터모델링_박민국.pptx
+++ b/데이터모델링_박민국.pptx
@@ -105,6 +105,11 @@
       </a:defRPr>
     </a:lvl9pPr>
   </p:defaultTextStyle>
+  <p:extLst>
+    <p:ext uri="{EFAFB233-063F-42B5-8137-9DF3F51BA10A}">
+      <p15:sldGuideLst xmlns:p15="http://schemas.microsoft.com/office/powerpoint/2012/main"/>
+    </p:ext>
+  </p:extLst>
 </p:presentation>
 </file>
 
@@ -239,7 +244,7 @@
           <a:p>
             <a:fld id="{62C5C3B0-A9A7-4FDE-AB47-8CAA1F5513EC}" type="datetimeFigureOut">
               <a:rPr lang="ko-KR" altLang="en-US" smtClean="0"/>
-              <a:t>2024-08-27</a:t>
+              <a:t>2024-08-28</a:t>
             </a:fld>
             <a:endParaRPr lang="ko-KR" altLang="en-US"/>
           </a:p>
@@ -409,7 +414,7 @@
           <a:p>
             <a:fld id="{62C5C3B0-A9A7-4FDE-AB47-8CAA1F5513EC}" type="datetimeFigureOut">
               <a:rPr lang="ko-KR" altLang="en-US" smtClean="0"/>
-              <a:t>2024-08-27</a:t>
+              <a:t>2024-08-28</a:t>
             </a:fld>
             <a:endParaRPr lang="ko-KR" altLang="en-US"/>
           </a:p>
@@ -589,7 +594,7 @@
           <a:p>
             <a:fld id="{62C5C3B0-A9A7-4FDE-AB47-8CAA1F5513EC}" type="datetimeFigureOut">
               <a:rPr lang="ko-KR" altLang="en-US" smtClean="0"/>
-              <a:t>2024-08-27</a:t>
+              <a:t>2024-08-28</a:t>
             </a:fld>
             <a:endParaRPr lang="ko-KR" altLang="en-US"/>
           </a:p>
@@ -759,7 +764,7 @@
           <a:p>
             <a:fld id="{62C5C3B0-A9A7-4FDE-AB47-8CAA1F5513EC}" type="datetimeFigureOut">
               <a:rPr lang="ko-KR" altLang="en-US" smtClean="0"/>
-              <a:t>2024-08-27</a:t>
+              <a:t>2024-08-28</a:t>
             </a:fld>
             <a:endParaRPr lang="ko-KR" altLang="en-US"/>
           </a:p>
@@ -1005,7 +1010,7 @@
           <a:p>
             <a:fld id="{62C5C3B0-A9A7-4FDE-AB47-8CAA1F5513EC}" type="datetimeFigureOut">
               <a:rPr lang="ko-KR" altLang="en-US" smtClean="0"/>
-              <a:t>2024-08-27</a:t>
+              <a:t>2024-08-28</a:t>
             </a:fld>
             <a:endParaRPr lang="ko-KR" altLang="en-US"/>
           </a:p>
@@ -1237,7 +1242,7 @@
           <a:p>
             <a:fld id="{62C5C3B0-A9A7-4FDE-AB47-8CAA1F5513EC}" type="datetimeFigureOut">
               <a:rPr lang="ko-KR" altLang="en-US" smtClean="0"/>
-              <a:t>2024-08-27</a:t>
+              <a:t>2024-08-28</a:t>
             </a:fld>
             <a:endParaRPr lang="ko-KR" altLang="en-US"/>
           </a:p>
@@ -1604,7 +1609,7 @@
           <a:p>
             <a:fld id="{62C5C3B0-A9A7-4FDE-AB47-8CAA1F5513EC}" type="datetimeFigureOut">
               <a:rPr lang="ko-KR" altLang="en-US" smtClean="0"/>
-              <a:t>2024-08-27</a:t>
+              <a:t>2024-08-28</a:t>
             </a:fld>
             <a:endParaRPr lang="ko-KR" altLang="en-US"/>
           </a:p>
@@ -1722,7 +1727,7 @@
           <a:p>
             <a:fld id="{62C5C3B0-A9A7-4FDE-AB47-8CAA1F5513EC}" type="datetimeFigureOut">
               <a:rPr lang="ko-KR" altLang="en-US" smtClean="0"/>
-              <a:t>2024-08-27</a:t>
+              <a:t>2024-08-28</a:t>
             </a:fld>
             <a:endParaRPr lang="ko-KR" altLang="en-US"/>
           </a:p>
@@ -1817,7 +1822,7 @@
           <a:p>
             <a:fld id="{62C5C3B0-A9A7-4FDE-AB47-8CAA1F5513EC}" type="datetimeFigureOut">
               <a:rPr lang="ko-KR" altLang="en-US" smtClean="0"/>
-              <a:t>2024-08-27</a:t>
+              <a:t>2024-08-28</a:t>
             </a:fld>
             <a:endParaRPr lang="ko-KR" altLang="en-US"/>
           </a:p>
@@ -2094,7 +2099,7 @@
           <a:p>
             <a:fld id="{62C5C3B0-A9A7-4FDE-AB47-8CAA1F5513EC}" type="datetimeFigureOut">
               <a:rPr lang="ko-KR" altLang="en-US" smtClean="0"/>
-              <a:t>2024-08-27</a:t>
+              <a:t>2024-08-28</a:t>
             </a:fld>
             <a:endParaRPr lang="ko-KR" altLang="en-US"/>
           </a:p>
@@ -2347,7 +2352,7 @@
           <a:p>
             <a:fld id="{62C5C3B0-A9A7-4FDE-AB47-8CAA1F5513EC}" type="datetimeFigureOut">
               <a:rPr lang="ko-KR" altLang="en-US" smtClean="0"/>
-              <a:t>2024-08-27</a:t>
+              <a:t>2024-08-28</a:t>
             </a:fld>
             <a:endParaRPr lang="ko-KR" altLang="en-US"/>
           </a:p>
@@ -2560,7 +2565,7 @@
           <a:p>
             <a:fld id="{62C5C3B0-A9A7-4FDE-AB47-8CAA1F5513EC}" type="datetimeFigureOut">
               <a:rPr lang="ko-KR" altLang="en-US" smtClean="0"/>
-              <a:t>2024-08-27</a:t>
+              <a:t>2024-08-28</a:t>
             </a:fld>
             <a:endParaRPr lang="ko-KR" altLang="en-US"/>
           </a:p>
@@ -2973,7 +2978,7 @@
         </p:nvSpPr>
         <p:spPr>
           <a:xfrm>
-            <a:off x="419449" y="1420989"/>
+            <a:off x="1874817" y="779746"/>
             <a:ext cx="1501630" cy="763398"/>
           </a:xfrm>
           <a:prstGeom prst="rect">
@@ -3026,7 +3031,7 @@
         </p:nvSpPr>
         <p:spPr>
           <a:xfrm>
-            <a:off x="492913" y="4937812"/>
+            <a:off x="7429562" y="4303923"/>
             <a:ext cx="1501630" cy="763398"/>
           </a:xfrm>
           <a:prstGeom prst="rect">
@@ -3061,7 +3066,7 @@
                   <a:schemeClr val="tx1"/>
                 </a:solidFill>
               </a:rPr>
-              <a:t>수강</a:t>
+              <a:t>강의</a:t>
             </a:r>
             <a:endParaRPr lang="ko-KR" altLang="en-US" dirty="0">
               <a:solidFill>
@@ -3079,7 +3084,7 @@
         </p:nvSpPr>
         <p:spPr>
           <a:xfrm>
-            <a:off x="9742415" y="4926645"/>
+            <a:off x="8585460" y="779746"/>
             <a:ext cx="1501630" cy="763398"/>
           </a:xfrm>
           <a:prstGeom prst="rect">
@@ -3132,7 +3137,7 @@
         </p:nvSpPr>
         <p:spPr>
           <a:xfrm>
-            <a:off x="9742415" y="1420989"/>
+            <a:off x="1827691" y="4541276"/>
             <a:ext cx="1501630" cy="763398"/>
           </a:xfrm>
           <a:prstGeom prst="rect">
@@ -3186,13 +3191,13 @@
           <p:nvPr>
             <p:extLst>
               <p:ext uri="{D42A27DB-BD31-4B8C-83A1-F6EECF244321}">
-                <p14:modId xmlns:p14="http://schemas.microsoft.com/office/powerpoint/2010/main" val="2636529809"/>
+                <p14:modId xmlns:p14="http://schemas.microsoft.com/office/powerpoint/2010/main" val="306749412"/>
               </p:ext>
             </p:extLst>
           </p:nvPr>
         </p:nvGraphicFramePr>
         <p:xfrm>
-          <a:off x="2127159" y="196249"/>
+          <a:off x="157632" y="155820"/>
           <a:ext cx="1081080" cy="2011680"/>
         </p:xfrm>
         <a:graphic>
@@ -3351,7 +3356,15 @@
                       <a:pPr algn="ctr" latinLnBrk="1"/>
                       <a:r>
                         <a:rPr lang="ko-KR" altLang="en-US" sz="1050" dirty="0" smtClean="0"/>
-                        <a:t>소속 학과 번호</a:t>
+                        <a:t>소속 </a:t>
+                      </a:r>
+                      <a:r>
+                        <a:rPr lang="ko-KR" altLang="en-US" sz="1050" dirty="0" smtClean="0"/>
+                        <a:t>학과</a:t>
+                      </a:r>
+                      <a:r>
+                        <a:rPr lang="en-US" altLang="ko-KR" sz="1050" dirty="0" smtClean="0"/>
+                        <a:t>(FK)</a:t>
                       </a:r>
                       <a:endParaRPr lang="ko-KR" altLang="en-US" sz="1050" dirty="0"/>
                     </a:p>
@@ -3403,13 +3416,13 @@
           <p:nvPr>
             <p:extLst>
               <p:ext uri="{D42A27DB-BD31-4B8C-83A1-F6EECF244321}">
-                <p14:modId xmlns:p14="http://schemas.microsoft.com/office/powerpoint/2010/main" val="4264311619"/>
+                <p14:modId xmlns:p14="http://schemas.microsoft.com/office/powerpoint/2010/main" val="3912889184"/>
               </p:ext>
             </p:extLst>
           </p:nvPr>
         </p:nvGraphicFramePr>
         <p:xfrm>
-          <a:off x="8332635" y="196249"/>
+          <a:off x="198313" y="3874297"/>
           <a:ext cx="1081080" cy="2011680"/>
         </p:xfrm>
         <a:graphic>
@@ -3568,7 +3581,15 @@
                       <a:pPr algn="ctr" latinLnBrk="1"/>
                       <a:r>
                         <a:rPr lang="ko-KR" altLang="en-US" sz="1050" dirty="0" smtClean="0"/>
-                        <a:t>소속 학과</a:t>
+                        <a:t>소속 </a:t>
+                      </a:r>
+                      <a:r>
+                        <a:rPr lang="ko-KR" altLang="en-US" sz="1050" dirty="0" smtClean="0"/>
+                        <a:t>학과</a:t>
+                      </a:r>
+                      <a:r>
+                        <a:rPr lang="en-US" altLang="ko-KR" sz="1050" dirty="0" smtClean="0"/>
+                        <a:t>(FK)</a:t>
                       </a:r>
                       <a:endParaRPr lang="ko-KR" altLang="en-US" sz="1050" dirty="0"/>
                     </a:p>
@@ -3611,96 +3632,6 @@
           </a:graphicData>
         </a:graphic>
       </p:graphicFrame>
-      <p:cxnSp>
-        <p:nvCxnSpPr>
-          <p:cNvPr id="12" name="직선 연결선 11"/>
-          <p:cNvCxnSpPr/>
-          <p:nvPr/>
-        </p:nvCxnSpPr>
-        <p:spPr>
-          <a:xfrm>
-            <a:off x="3208239" y="2097248"/>
-            <a:ext cx="5124396" cy="16778"/>
-          </a:xfrm>
-          <a:prstGeom prst="line">
-            <a:avLst/>
-          </a:prstGeom>
-        </p:spPr>
-        <p:style>
-          <a:lnRef idx="1">
-            <a:schemeClr val="accent1"/>
-          </a:lnRef>
-          <a:fillRef idx="0">
-            <a:schemeClr val="accent1"/>
-          </a:fillRef>
-          <a:effectRef idx="0">
-            <a:schemeClr val="accent1"/>
-          </a:effectRef>
-          <a:fontRef idx="minor">
-            <a:schemeClr val="tx1"/>
-          </a:fontRef>
-        </p:style>
-      </p:cxnSp>
-      <p:sp>
-        <p:nvSpPr>
-          <p:cNvPr id="17" name="TextBox 16"/>
-          <p:cNvSpPr txBox="1"/>
-          <p:nvPr/>
-        </p:nvSpPr>
-        <p:spPr>
-          <a:xfrm>
-            <a:off x="7845077" y="1744694"/>
-            <a:ext cx="317716" cy="369332"/>
-          </a:xfrm>
-          <a:prstGeom prst="rect">
-            <a:avLst/>
-          </a:prstGeom>
-          <a:noFill/>
-        </p:spPr>
-        <p:txBody>
-          <a:bodyPr wrap="none" rtlCol="0">
-            <a:spAutoFit/>
-          </a:bodyPr>
-          <a:lstStyle/>
-          <a:p>
-            <a:r>
-              <a:rPr lang="en-US" altLang="ko-KR" dirty="0" smtClean="0"/>
-              <a:t>n</a:t>
-            </a:r>
-            <a:endParaRPr lang="ko-KR" altLang="en-US" dirty="0"/>
-          </a:p>
-        </p:txBody>
-      </p:sp>
-      <p:sp>
-        <p:nvSpPr>
-          <p:cNvPr id="20" name="TextBox 19"/>
-          <p:cNvSpPr txBox="1"/>
-          <p:nvPr/>
-        </p:nvSpPr>
-        <p:spPr>
-          <a:xfrm>
-            <a:off x="3272205" y="1744694"/>
-            <a:ext cx="311304" cy="369332"/>
-          </a:xfrm>
-          <a:prstGeom prst="rect">
-            <a:avLst/>
-          </a:prstGeom>
-          <a:noFill/>
-        </p:spPr>
-        <p:txBody>
-          <a:bodyPr wrap="none" rtlCol="0">
-            <a:spAutoFit/>
-          </a:bodyPr>
-          <a:lstStyle/>
-          <a:p>
-            <a:r>
-              <a:rPr lang="en-US" altLang="ko-KR" dirty="0"/>
-              <a:t>1</a:t>
-            </a:r>
-            <a:endParaRPr lang="ko-KR" altLang="en-US" dirty="0"/>
-          </a:p>
-        </p:txBody>
-      </p:sp>
       <p:graphicFrame>
         <p:nvGraphicFramePr>
           <p:cNvPr id="21" name="표 20"/>
@@ -3710,13 +3641,13 @@
           <p:nvPr>
             <p:extLst>
               <p:ext uri="{D42A27DB-BD31-4B8C-83A1-F6EECF244321}">
-                <p14:modId xmlns:p14="http://schemas.microsoft.com/office/powerpoint/2010/main" val="3171608742"/>
+                <p14:modId xmlns:p14="http://schemas.microsoft.com/office/powerpoint/2010/main" val="148252911"/>
               </p:ext>
             </p:extLst>
           </p:nvPr>
         </p:nvGraphicFramePr>
         <p:xfrm>
-          <a:off x="8332635" y="4443910"/>
+          <a:off x="10382623" y="368558"/>
           <a:ext cx="1081080" cy="1257300"/>
         </p:xfrm>
         <a:graphic>
@@ -3865,13 +3796,13 @@
           <p:nvPr>
             <p:extLst>
               <p:ext uri="{D42A27DB-BD31-4B8C-83A1-F6EECF244321}">
-                <p14:modId xmlns:p14="http://schemas.microsoft.com/office/powerpoint/2010/main" val="259508147"/>
+                <p14:modId xmlns:p14="http://schemas.microsoft.com/office/powerpoint/2010/main" val="422609339"/>
               </p:ext>
             </p:extLst>
           </p:nvPr>
         </p:nvGraphicFramePr>
         <p:xfrm>
-          <a:off x="2127159" y="3438070"/>
+          <a:off x="10013866" y="3922084"/>
           <a:ext cx="1494455" cy="2263140"/>
         </p:xfrm>
         <a:graphic>
@@ -4154,7 +4085,7 @@
         </p:nvSpPr>
         <p:spPr>
           <a:xfrm>
-            <a:off x="5016617" y="1644242"/>
+            <a:off x="1743269" y="2298072"/>
             <a:ext cx="1744910" cy="947956"/>
           </a:xfrm>
           <a:prstGeom prst="flowChartDecision">
@@ -4201,56 +4132,144 @@
       </p:sp>
       <p:sp>
         <p:nvSpPr>
-          <p:cNvPr id="24" name="자유형 23"/>
+          <p:cNvPr id="28" name="TextBox 27"/>
+          <p:cNvSpPr txBox="1"/>
+          <p:nvPr/>
+        </p:nvSpPr>
+        <p:spPr>
+          <a:xfrm>
+            <a:off x="3488179" y="701438"/>
+            <a:ext cx="317716" cy="369332"/>
+          </a:xfrm>
+          <a:prstGeom prst="rect">
+            <a:avLst/>
+          </a:prstGeom>
+          <a:noFill/>
+        </p:spPr>
+        <p:txBody>
+          <a:bodyPr wrap="none" rtlCol="0">
+            <a:spAutoFit/>
+          </a:bodyPr>
+          <a:lstStyle/>
+          <a:p>
+            <a:r>
+              <a:rPr lang="en-US" altLang="ko-KR" dirty="0" smtClean="0"/>
+              <a:t>n</a:t>
+            </a:r>
+            <a:endParaRPr lang="ko-KR" altLang="en-US" dirty="0"/>
+          </a:p>
+        </p:txBody>
+      </p:sp>
+      <p:sp>
+        <p:nvSpPr>
+          <p:cNvPr id="31" name="TextBox 30"/>
+          <p:cNvSpPr txBox="1"/>
+          <p:nvPr/>
+        </p:nvSpPr>
+        <p:spPr>
+          <a:xfrm>
+            <a:off x="2227819" y="1592732"/>
+            <a:ext cx="311304" cy="369332"/>
+          </a:xfrm>
+          <a:prstGeom prst="rect">
+            <a:avLst/>
+          </a:prstGeom>
+          <a:noFill/>
+        </p:spPr>
+        <p:txBody>
+          <a:bodyPr wrap="none" rtlCol="0">
+            <a:spAutoFit/>
+          </a:bodyPr>
+          <a:lstStyle/>
+          <a:p>
+            <a:r>
+              <a:rPr lang="en-US" altLang="ko-KR" dirty="0"/>
+              <a:t>1</a:t>
+            </a:r>
+            <a:endParaRPr lang="ko-KR" altLang="en-US" dirty="0"/>
+          </a:p>
+        </p:txBody>
+      </p:sp>
+      <p:cxnSp>
+        <p:nvCxnSpPr>
+          <p:cNvPr id="8" name="직선 연결선 7"/>
+          <p:cNvCxnSpPr>
+            <a:stCxn id="4" idx="2"/>
+            <a:endCxn id="18" idx="0"/>
+          </p:cNvCxnSpPr>
+          <p:nvPr/>
+        </p:nvCxnSpPr>
+        <p:spPr>
+          <a:xfrm flipH="1">
+            <a:off x="2615724" y="1543144"/>
+            <a:ext cx="9908" cy="754928"/>
+          </a:xfrm>
+          <a:prstGeom prst="line">
+            <a:avLst/>
+          </a:prstGeom>
+        </p:spPr>
+        <p:style>
+          <a:lnRef idx="1">
+            <a:schemeClr val="accent1"/>
+          </a:lnRef>
+          <a:fillRef idx="0">
+            <a:schemeClr val="accent1"/>
+          </a:fillRef>
+          <a:effectRef idx="0">
+            <a:schemeClr val="accent1"/>
+          </a:effectRef>
+          <a:fontRef idx="minor">
+            <a:schemeClr val="tx1"/>
+          </a:fontRef>
+        </p:style>
+      </p:cxnSp>
+      <p:cxnSp>
+        <p:nvCxnSpPr>
+          <p:cNvPr id="14" name="직선 연결선 13"/>
+          <p:cNvCxnSpPr>
+            <a:stCxn id="18" idx="2"/>
+            <a:endCxn id="7" idx="0"/>
+          </p:cNvCxnSpPr>
+          <p:nvPr/>
+        </p:nvCxnSpPr>
+        <p:spPr>
+          <a:xfrm flipH="1">
+            <a:off x="2578506" y="3246028"/>
+            <a:ext cx="37218" cy="1295248"/>
+          </a:xfrm>
+          <a:prstGeom prst="line">
+            <a:avLst/>
+          </a:prstGeom>
+        </p:spPr>
+        <p:style>
+          <a:lnRef idx="1">
+            <a:schemeClr val="accent1"/>
+          </a:lnRef>
+          <a:fillRef idx="0">
+            <a:schemeClr val="accent1"/>
+          </a:fillRef>
+          <a:effectRef idx="0">
+            <a:schemeClr val="accent1"/>
+          </a:effectRef>
+          <a:fontRef idx="minor">
+            <a:schemeClr val="tx1"/>
+          </a:fontRef>
+        </p:style>
+      </p:cxnSp>
+      <p:sp>
+        <p:nvSpPr>
+          <p:cNvPr id="39" name="순서도: 판단 38"/>
           <p:cNvSpPr/>
           <p:nvPr/>
         </p:nvSpPr>
         <p:spPr>
           <a:xfrm>
-            <a:off x="3208238" y="327172"/>
-            <a:ext cx="1333515" cy="3489820"/>
+            <a:off x="5161502" y="5745060"/>
+            <a:ext cx="1744910" cy="947956"/>
           </a:xfrm>
-          <a:custGeom>
+          <a:prstGeom prst="flowChartDecision">
             <a:avLst/>
-            <a:gdLst>
-              <a:gd name="connsiteX0" fmla="*/ 0 w 1345548"/>
-              <a:gd name="connsiteY0" fmla="*/ 0 h 3288485"/>
-              <a:gd name="connsiteX1" fmla="*/ 1342238 w 1345548"/>
-              <a:gd name="connsiteY1" fmla="*/ 2265028 h 3288485"/>
-              <a:gd name="connsiteX2" fmla="*/ 419449 w 1345548"/>
-              <a:gd name="connsiteY2" fmla="*/ 3288485 h 3288485"/>
-            </a:gdLst>
-            <a:ahLst/>
-            <a:cxnLst>
-              <a:cxn ang="0">
-                <a:pos x="connsiteX0" y="connsiteY0"/>
-              </a:cxn>
-              <a:cxn ang="0">
-                <a:pos x="connsiteX1" y="connsiteY1"/>
-              </a:cxn>
-              <a:cxn ang="0">
-                <a:pos x="connsiteX2" y="connsiteY2"/>
-              </a:cxn>
-            </a:cxnLst>
-            <a:rect l="l" t="t" r="r" b="b"/>
-            <a:pathLst>
-              <a:path w="1345548" h="3288485">
-                <a:moveTo>
-                  <a:pt x="0" y="0"/>
-                </a:moveTo>
-                <a:cubicBezTo>
-                  <a:pt x="636165" y="858473"/>
-                  <a:pt x="1272330" y="1716947"/>
-                  <a:pt x="1342238" y="2265028"/>
-                </a:cubicBezTo>
-                <a:cubicBezTo>
-                  <a:pt x="1412146" y="2813109"/>
-                  <a:pt x="350939" y="3092742"/>
-                  <a:pt x="419449" y="3288485"/>
-                </a:cubicBezTo>
-              </a:path>
-            </a:pathLst>
-          </a:custGeom>
+          </a:prstGeom>
           <a:noFill/>
         </p:spPr>
         <p:style>
@@ -4274,20 +4293,32 @@
           <a:lstStyle/>
           <a:p>
             <a:pPr algn="ctr"/>
-            <a:endParaRPr lang="ko-KR" altLang="en-US"/>
-          </a:p>
-        </p:txBody>
-      </p:sp>
-      <p:sp>
-        <p:nvSpPr>
-          <p:cNvPr id="27" name="TextBox 26"/>
+            <a:r>
+              <a:rPr lang="ko-KR" altLang="en-US" dirty="0" smtClean="0">
+                <a:solidFill>
+                  <a:schemeClr val="tx1"/>
+                </a:solidFill>
+              </a:rPr>
+              <a:t>소속</a:t>
+            </a:r>
+            <a:endParaRPr lang="ko-KR" altLang="en-US" dirty="0">
+              <a:solidFill>
+                <a:schemeClr val="tx1"/>
+              </a:solidFill>
+            </a:endParaRPr>
+          </a:p>
+        </p:txBody>
+      </p:sp>
+      <p:sp>
+        <p:nvSpPr>
+          <p:cNvPr id="49" name="TextBox 48"/>
           <p:cNvSpPr txBox="1"/>
           <p:nvPr/>
         </p:nvSpPr>
         <p:spPr>
           <a:xfrm>
-            <a:off x="3633475" y="3578583"/>
-            <a:ext cx="311304" cy="369332"/>
+            <a:off x="2227819" y="4054410"/>
+            <a:ext cx="388248" cy="369332"/>
           </a:xfrm>
           <a:prstGeom prst="rect">
             <a:avLst/>
@@ -4302,7 +4333,7 @@
           <a:p>
             <a:r>
               <a:rPr lang="en-US" altLang="ko-KR" dirty="0"/>
-              <a:t>1</a:t>
+              <a:t>m</a:t>
             </a:r>
             <a:endParaRPr lang="ko-KR" altLang="en-US" dirty="0"/>
           </a:p>
@@ -4310,86 +4341,18 @@
       </p:sp>
       <p:sp>
         <p:nvSpPr>
-          <p:cNvPr id="28" name="TextBox 27"/>
-          <p:cNvSpPr txBox="1"/>
+          <p:cNvPr id="52" name="순서도: 판단 51"/>
+          <p:cNvSpPr/>
           <p:nvPr/>
         </p:nvSpPr>
         <p:spPr>
           <a:xfrm>
-            <a:off x="3208237" y="95471"/>
-            <a:ext cx="317716" cy="369332"/>
+            <a:off x="5106373" y="677902"/>
+            <a:ext cx="1744910" cy="947956"/>
           </a:xfrm>
-          <a:prstGeom prst="rect">
+          <a:prstGeom prst="flowChartDecision">
             <a:avLst/>
           </a:prstGeom>
-          <a:noFill/>
-        </p:spPr>
-        <p:txBody>
-          <a:bodyPr wrap="none" rtlCol="0">
-            <a:spAutoFit/>
-          </a:bodyPr>
-          <a:lstStyle/>
-          <a:p>
-            <a:r>
-              <a:rPr lang="en-US" altLang="ko-KR" dirty="0" smtClean="0"/>
-              <a:t>n</a:t>
-            </a:r>
-            <a:endParaRPr lang="ko-KR" altLang="en-US" dirty="0"/>
-          </a:p>
-        </p:txBody>
-      </p:sp>
-      <p:sp>
-        <p:nvSpPr>
-          <p:cNvPr id="25" name="자유형 24"/>
-          <p:cNvSpPr/>
-          <p:nvPr/>
-        </p:nvSpPr>
-        <p:spPr>
-          <a:xfrm>
-            <a:off x="3624044" y="310393"/>
-            <a:ext cx="4714613" cy="3824803"/>
-          </a:xfrm>
-          <a:custGeom>
-            <a:avLst/>
-            <a:gdLst>
-              <a:gd name="connsiteX0" fmla="*/ 4714613 w 4714613"/>
-              <a:gd name="connsiteY0" fmla="*/ 0 h 3824803"/>
-              <a:gd name="connsiteX1" fmla="*/ 2365695 w 4714613"/>
-              <a:gd name="connsiteY1" fmla="*/ 3481431 h 3824803"/>
-              <a:gd name="connsiteX2" fmla="*/ 0 w 4714613"/>
-              <a:gd name="connsiteY2" fmla="*/ 3758268 h 3824803"/>
-            </a:gdLst>
-            <a:ahLst/>
-            <a:cxnLst>
-              <a:cxn ang="0">
-                <a:pos x="connsiteX0" y="connsiteY0"/>
-              </a:cxn>
-              <a:cxn ang="0">
-                <a:pos x="connsiteX1" y="connsiteY1"/>
-              </a:cxn>
-              <a:cxn ang="0">
-                <a:pos x="connsiteX2" y="connsiteY2"/>
-              </a:cxn>
-            </a:cxnLst>
-            <a:rect l="l" t="t" r="r" b="b"/>
-            <a:pathLst>
-              <a:path w="4714613" h="3824803">
-                <a:moveTo>
-                  <a:pt x="4714613" y="0"/>
-                </a:moveTo>
-                <a:cubicBezTo>
-                  <a:pt x="3933038" y="1427526"/>
-                  <a:pt x="3151464" y="2855053"/>
-                  <a:pt x="2365695" y="3481431"/>
-                </a:cubicBezTo>
-                <a:cubicBezTo>
-                  <a:pt x="1579926" y="4107809"/>
-                  <a:pt x="29361" y="3667387"/>
-                  <a:pt x="0" y="3758268"/>
-                </a:cubicBezTo>
-              </a:path>
-            </a:pathLst>
-          </a:custGeom>
           <a:noFill/>
         </p:spPr>
         <p:style>
@@ -4413,19 +4376,97 @@
           <a:lstStyle/>
           <a:p>
             <a:pPr algn="ctr"/>
-            <a:endParaRPr lang="ko-KR" altLang="en-US"/>
-          </a:p>
-        </p:txBody>
-      </p:sp>
-      <p:sp>
-        <p:nvSpPr>
-          <p:cNvPr id="30" name="TextBox 29"/>
+            <a:r>
+              <a:rPr lang="ko-KR" altLang="en-US" dirty="0" smtClean="0">
+                <a:solidFill>
+                  <a:schemeClr val="tx1"/>
+                </a:solidFill>
+              </a:rPr>
+              <a:t>전공</a:t>
+            </a:r>
+            <a:endParaRPr lang="ko-KR" altLang="en-US" dirty="0">
+              <a:solidFill>
+                <a:schemeClr val="tx1"/>
+              </a:solidFill>
+            </a:endParaRPr>
+          </a:p>
+        </p:txBody>
+      </p:sp>
+      <p:cxnSp>
+        <p:nvCxnSpPr>
+          <p:cNvPr id="96" name="직선 연결선 95"/>
+          <p:cNvCxnSpPr>
+            <a:stCxn id="4" idx="3"/>
+            <a:endCxn id="52" idx="1"/>
+          </p:cNvCxnSpPr>
+          <p:nvPr/>
+        </p:nvCxnSpPr>
+        <p:spPr>
+          <a:xfrm flipV="1">
+            <a:off x="3376447" y="1151880"/>
+            <a:ext cx="1729926" cy="9565"/>
+          </a:xfrm>
+          <a:prstGeom prst="line">
+            <a:avLst/>
+          </a:prstGeom>
+        </p:spPr>
+        <p:style>
+          <a:lnRef idx="1">
+            <a:schemeClr val="accent1"/>
+          </a:lnRef>
+          <a:fillRef idx="0">
+            <a:schemeClr val="accent1"/>
+          </a:fillRef>
+          <a:effectRef idx="0">
+            <a:schemeClr val="accent1"/>
+          </a:effectRef>
+          <a:fontRef idx="minor">
+            <a:schemeClr val="tx1"/>
+          </a:fontRef>
+        </p:style>
+      </p:cxnSp>
+      <p:cxnSp>
+        <p:nvCxnSpPr>
+          <p:cNvPr id="100" name="직선 연결선 99"/>
+          <p:cNvCxnSpPr>
+            <a:stCxn id="52" idx="3"/>
+            <a:endCxn id="6" idx="1"/>
+          </p:cNvCxnSpPr>
+          <p:nvPr/>
+        </p:nvCxnSpPr>
+        <p:spPr>
+          <a:xfrm>
+            <a:off x="6851283" y="1151880"/>
+            <a:ext cx="1734177" cy="9565"/>
+          </a:xfrm>
+          <a:prstGeom prst="line">
+            <a:avLst/>
+          </a:prstGeom>
+        </p:spPr>
+        <p:style>
+          <a:lnRef idx="1">
+            <a:schemeClr val="accent1"/>
+          </a:lnRef>
+          <a:fillRef idx="0">
+            <a:schemeClr val="accent1"/>
+          </a:fillRef>
+          <a:effectRef idx="0">
+            <a:schemeClr val="accent1"/>
+          </a:effectRef>
+          <a:fontRef idx="minor">
+            <a:schemeClr val="tx1"/>
+          </a:fontRef>
+        </p:style>
+      </p:cxnSp>
+      <p:sp>
+        <p:nvSpPr>
+          <p:cNvPr id="102" name="TextBox 101"/>
           <p:cNvSpPr txBox="1"/>
           <p:nvPr/>
         </p:nvSpPr>
         <p:spPr>
           <a:xfrm>
-            <a:off x="3659407" y="3880685"/>
+            <a:off x="8119978" y="705202"/>
             <a:ext cx="311304" cy="369332"/>
           </a:xfrm>
           <a:prstGeom prst="rect">
@@ -4449,92 +4490,19 @@
       </p:sp>
       <p:sp>
         <p:nvSpPr>
-          <p:cNvPr id="31" name="TextBox 30"/>
-          <p:cNvSpPr txBox="1"/>
+          <p:cNvPr id="103" name="순서도: 판단 102"/>
+          <p:cNvSpPr/>
           <p:nvPr/>
         </p:nvSpPr>
         <p:spPr>
           <a:xfrm>
-            <a:off x="7972286" y="209616"/>
-            <a:ext cx="311304" cy="369332"/>
+            <a:off x="5106373" y="2711531"/>
+            <a:ext cx="1744910" cy="947956"/>
           </a:xfrm>
-          <a:prstGeom prst="rect">
+          <a:prstGeom prst="flowChartDecision">
             <a:avLst/>
           </a:prstGeom>
           <a:noFill/>
-        </p:spPr>
-        <p:txBody>
-          <a:bodyPr wrap="none" rtlCol="0">
-            <a:spAutoFit/>
-          </a:bodyPr>
-          <a:lstStyle/>
-          <a:p>
-            <a:r>
-              <a:rPr lang="en-US" altLang="ko-KR" dirty="0"/>
-              <a:t>1</a:t>
-            </a:r>
-            <a:endParaRPr lang="ko-KR" altLang="en-US" dirty="0"/>
-          </a:p>
-        </p:txBody>
-      </p:sp>
-      <p:sp>
-        <p:nvSpPr>
-          <p:cNvPr id="26" name="자유형 25"/>
-          <p:cNvSpPr/>
-          <p:nvPr/>
-        </p:nvSpPr>
-        <p:spPr>
-          <a:xfrm>
-            <a:off x="3212983" y="352338"/>
-            <a:ext cx="5117285" cy="5885404"/>
-          </a:xfrm>
-          <a:custGeom>
-            <a:avLst/>
-            <a:gdLst>
-              <a:gd name="connsiteX0" fmla="*/ 0 w 5117285"/>
-              <a:gd name="connsiteY0" fmla="*/ 0 h 5885404"/>
-              <a:gd name="connsiteX1" fmla="*/ 3531766 w 5117285"/>
-              <a:gd name="connsiteY1" fmla="*/ 5360565 h 5885404"/>
-              <a:gd name="connsiteX2" fmla="*/ 5117285 w 5117285"/>
-              <a:gd name="connsiteY2" fmla="*/ 5251508 h 5885404"/>
-            </a:gdLst>
-            <a:ahLst/>
-            <a:cxnLst>
-              <a:cxn ang="0">
-                <a:pos x="connsiteX0" y="connsiteY0"/>
-              </a:cxn>
-              <a:cxn ang="0">
-                <a:pos x="connsiteX1" y="connsiteY1"/>
-              </a:cxn>
-              <a:cxn ang="0">
-                <a:pos x="connsiteX2" y="connsiteY2"/>
-              </a:cxn>
-            </a:cxnLst>
-            <a:rect l="l" t="t" r="r" b="b"/>
-            <a:pathLst>
-              <a:path w="5117285" h="5885404">
-                <a:moveTo>
-                  <a:pt x="0" y="0"/>
-                </a:moveTo>
-                <a:cubicBezTo>
-                  <a:pt x="1339442" y="2242657"/>
-                  <a:pt x="2678885" y="4485314"/>
-                  <a:pt x="3531766" y="5360565"/>
-                </a:cubicBezTo>
-                <a:cubicBezTo>
-                  <a:pt x="4384647" y="6235816"/>
-                  <a:pt x="5030599" y="5887673"/>
-                  <a:pt x="5117285" y="5251508"/>
-                </a:cubicBezTo>
-              </a:path>
-            </a:pathLst>
-          </a:custGeom>
-          <a:noFill/>
-          <a:ln>
-            <a:solidFill>
-              <a:srgbClr val="FF0000"/>
-            </a:solidFill>
-          </a:ln>
         </p:spPr>
         <p:style>
           <a:lnRef idx="2">
@@ -4557,57 +4525,96 @@
           <a:lstStyle/>
           <a:p>
             <a:pPr algn="ctr"/>
-            <a:endParaRPr lang="ko-KR" altLang="en-US"/>
-          </a:p>
-        </p:txBody>
-      </p:sp>
-      <p:sp>
-        <p:nvSpPr>
-          <p:cNvPr id="33" name="TextBox 32"/>
+            <a:r>
+              <a:rPr lang="ko-KR" altLang="en-US" dirty="0" smtClean="0">
+                <a:solidFill>
+                  <a:schemeClr val="tx1"/>
+                </a:solidFill>
+              </a:rPr>
+              <a:t>수강</a:t>
+            </a:r>
+            <a:endParaRPr lang="ko-KR" altLang="en-US" dirty="0">
+              <a:solidFill>
+                <a:schemeClr val="tx1"/>
+              </a:solidFill>
+            </a:endParaRPr>
+          </a:p>
+        </p:txBody>
+      </p:sp>
+      <p:cxnSp>
+        <p:nvCxnSpPr>
+          <p:cNvPr id="129" name="직선 연결선 128"/>
+          <p:cNvCxnSpPr>
+            <a:endCxn id="103" idx="0"/>
+          </p:cNvCxnSpPr>
+          <p:nvPr/>
+        </p:nvCxnSpPr>
+        <p:spPr>
+          <a:xfrm>
+            <a:off x="3376447" y="1533579"/>
+            <a:ext cx="2602381" cy="1177952"/>
+          </a:xfrm>
+          <a:prstGeom prst="line">
+            <a:avLst/>
+          </a:prstGeom>
+        </p:spPr>
+        <p:style>
+          <a:lnRef idx="1">
+            <a:schemeClr val="accent1"/>
+          </a:lnRef>
+          <a:fillRef idx="0">
+            <a:schemeClr val="accent1"/>
+          </a:fillRef>
+          <a:effectRef idx="0">
+            <a:schemeClr val="accent1"/>
+          </a:effectRef>
+          <a:fontRef idx="minor">
+            <a:schemeClr val="tx1"/>
+          </a:fontRef>
+        </p:style>
+      </p:cxnSp>
+      <p:cxnSp>
+        <p:nvCxnSpPr>
+          <p:cNvPr id="132" name="직선 연결선 131"/>
+          <p:cNvCxnSpPr>
+            <a:stCxn id="103" idx="2"/>
+            <a:endCxn id="5" idx="0"/>
+          </p:cNvCxnSpPr>
+          <p:nvPr/>
+        </p:nvCxnSpPr>
+        <p:spPr>
+          <a:xfrm>
+            <a:off x="5978828" y="3659487"/>
+            <a:ext cx="2201549" cy="644436"/>
+          </a:xfrm>
+          <a:prstGeom prst="line">
+            <a:avLst/>
+          </a:prstGeom>
+        </p:spPr>
+        <p:style>
+          <a:lnRef idx="1">
+            <a:schemeClr val="accent1"/>
+          </a:lnRef>
+          <a:fillRef idx="0">
+            <a:schemeClr val="accent1"/>
+          </a:fillRef>
+          <a:effectRef idx="0">
+            <a:schemeClr val="accent1"/>
+          </a:effectRef>
+          <a:fontRef idx="minor">
+            <a:schemeClr val="tx1"/>
+          </a:fontRef>
+        </p:style>
+      </p:cxnSp>
+      <p:sp>
+        <p:nvSpPr>
+          <p:cNvPr id="134" name="TextBox 133"/>
           <p:cNvSpPr txBox="1"/>
           <p:nvPr/>
         </p:nvSpPr>
         <p:spPr>
           <a:xfrm>
-            <a:off x="3201258" y="588538"/>
-            <a:ext cx="311304" cy="369332"/>
-          </a:xfrm>
-          <a:prstGeom prst="rect">
-            <a:avLst/>
-          </a:prstGeom>
-          <a:noFill/>
-        </p:spPr>
-        <p:txBody>
-          <a:bodyPr wrap="none" rtlCol="0">
-            <a:spAutoFit/>
-          </a:bodyPr>
-          <a:lstStyle/>
-          <a:p>
-            <a:r>
-              <a:rPr lang="en-US" altLang="ko-KR" dirty="0">
-                <a:solidFill>
-                  <a:srgbClr val="FF0000"/>
-                </a:solidFill>
-              </a:rPr>
-              <a:t>1</a:t>
-            </a:r>
-            <a:endParaRPr lang="ko-KR" altLang="en-US" dirty="0">
-              <a:solidFill>
-                <a:srgbClr val="FF0000"/>
-              </a:solidFill>
-            </a:endParaRPr>
-          </a:p>
-        </p:txBody>
-      </p:sp>
-      <p:sp>
-        <p:nvSpPr>
-          <p:cNvPr id="34" name="TextBox 33"/>
-          <p:cNvSpPr txBox="1"/>
-          <p:nvPr/>
-        </p:nvSpPr>
-        <p:spPr>
-          <a:xfrm>
-            <a:off x="7874295" y="5729802"/>
+            <a:off x="3329321" y="1573614"/>
             <a:ext cx="317716" cy="369332"/>
           </a:xfrm>
           <a:prstGeom prst="rect">
@@ -4622,79 +4629,58 @@
           <a:lstStyle/>
           <a:p>
             <a:r>
-              <a:rPr lang="en-US" altLang="ko-KR" dirty="0" smtClean="0">
-                <a:solidFill>
-                  <a:srgbClr val="FF0000"/>
-                </a:solidFill>
-              </a:rPr>
+              <a:rPr lang="en-US" altLang="ko-KR" dirty="0" smtClean="0"/>
               <a:t>n</a:t>
             </a:r>
-            <a:endParaRPr lang="ko-KR" altLang="en-US" dirty="0">
-              <a:solidFill>
-                <a:srgbClr val="FF0000"/>
-              </a:solidFill>
-            </a:endParaRPr>
-          </a:p>
-        </p:txBody>
-      </p:sp>
-      <p:sp>
-        <p:nvSpPr>
-          <p:cNvPr id="29" name="자유형 28"/>
+            <a:endParaRPr lang="ko-KR" altLang="en-US" dirty="0"/>
+          </a:p>
+        </p:txBody>
+      </p:sp>
+      <p:sp>
+        <p:nvSpPr>
+          <p:cNvPr id="135" name="TextBox 134"/>
+          <p:cNvSpPr txBox="1"/>
+          <p:nvPr/>
+        </p:nvSpPr>
+        <p:spPr>
+          <a:xfrm>
+            <a:off x="6967731" y="4356246"/>
+            <a:ext cx="317716" cy="369332"/>
+          </a:xfrm>
+          <a:prstGeom prst="rect">
+            <a:avLst/>
+          </a:prstGeom>
+          <a:noFill/>
+        </p:spPr>
+        <p:txBody>
+          <a:bodyPr wrap="none" rtlCol="0">
+            <a:spAutoFit/>
+          </a:bodyPr>
+          <a:lstStyle/>
+          <a:p>
+            <a:r>
+              <a:rPr lang="en-US" altLang="ko-KR" dirty="0" smtClean="0"/>
+              <a:t>n</a:t>
+            </a:r>
+            <a:endParaRPr lang="ko-KR" altLang="en-US" dirty="0"/>
+          </a:p>
+        </p:txBody>
+      </p:sp>
+      <p:sp>
+        <p:nvSpPr>
+          <p:cNvPr id="136" name="순서도: 판단 135"/>
           <p:cNvSpPr/>
           <p:nvPr/>
         </p:nvSpPr>
         <p:spPr>
           <a:xfrm>
-            <a:off x="7071918" y="377505"/>
-            <a:ext cx="1267632" cy="4392026"/>
+            <a:off x="5161502" y="4405204"/>
+            <a:ext cx="1744910" cy="947956"/>
           </a:xfrm>
-          <a:custGeom>
+          <a:prstGeom prst="flowChartDecision">
             <a:avLst/>
-            <a:gdLst>
-              <a:gd name="connsiteX0" fmla="*/ 1266739 w 1267632"/>
-              <a:gd name="connsiteY0" fmla="*/ 0 h 4392026"/>
-              <a:gd name="connsiteX1" fmla="*/ 1 w 1267632"/>
-              <a:gd name="connsiteY1" fmla="*/ 3087148 h 4392026"/>
-              <a:gd name="connsiteX2" fmla="*/ 1258350 w 1267632"/>
-              <a:gd name="connsiteY2" fmla="*/ 4211273 h 4392026"/>
-            </a:gdLst>
-            <a:ahLst/>
-            <a:cxnLst>
-              <a:cxn ang="0">
-                <a:pos x="connsiteX0" y="connsiteY0"/>
-              </a:cxn>
-              <a:cxn ang="0">
-                <a:pos x="connsiteX1" y="connsiteY1"/>
-              </a:cxn>
-              <a:cxn ang="0">
-                <a:pos x="connsiteX2" y="connsiteY2"/>
-              </a:cxn>
-            </a:cxnLst>
-            <a:rect l="l" t="t" r="r" b="b"/>
-            <a:pathLst>
-              <a:path w="1267632" h="4392026">
-                <a:moveTo>
-                  <a:pt x="1266739" y="0"/>
-                </a:moveTo>
-                <a:cubicBezTo>
-                  <a:pt x="634069" y="1192634"/>
-                  <a:pt x="1399" y="2385269"/>
-                  <a:pt x="1" y="3087148"/>
-                </a:cubicBezTo>
-                <a:cubicBezTo>
-                  <a:pt x="-1397" y="3789027"/>
-                  <a:pt x="1393972" y="4809688"/>
-                  <a:pt x="1258350" y="4211273"/>
-                </a:cubicBezTo>
-              </a:path>
-            </a:pathLst>
-          </a:custGeom>
+          </a:prstGeom>
           <a:noFill/>
-          <a:ln>
-            <a:solidFill>
-              <a:srgbClr val="FF0000"/>
-            </a:solidFill>
-          </a:ln>
         </p:spPr>
         <p:style>
           <a:lnRef idx="2">
@@ -4717,19 +4703,127 @@
           <a:lstStyle/>
           <a:p>
             <a:pPr algn="ctr"/>
-            <a:endParaRPr lang="ko-KR" altLang="en-US"/>
-          </a:p>
-        </p:txBody>
-      </p:sp>
-      <p:sp>
-        <p:nvSpPr>
-          <p:cNvPr id="36" name="TextBox 35"/>
+            <a:r>
+              <a:rPr lang="ko-KR" altLang="en-US" dirty="0" smtClean="0">
+                <a:solidFill>
+                  <a:schemeClr val="tx1"/>
+                </a:solidFill>
+              </a:rPr>
+              <a:t>지도</a:t>
+            </a:r>
+            <a:endParaRPr lang="ko-KR" altLang="en-US" dirty="0">
+              <a:solidFill>
+                <a:schemeClr val="tx1"/>
+              </a:solidFill>
+            </a:endParaRPr>
+          </a:p>
+        </p:txBody>
+      </p:sp>
+      <p:cxnSp>
+        <p:nvCxnSpPr>
+          <p:cNvPr id="138" name="직선 연결선 137"/>
+          <p:cNvCxnSpPr>
+            <a:stCxn id="7" idx="3"/>
+            <a:endCxn id="136" idx="1"/>
+          </p:cNvCxnSpPr>
+          <p:nvPr/>
+        </p:nvCxnSpPr>
+        <p:spPr>
+          <a:xfrm flipV="1">
+            <a:off x="3329321" y="4879182"/>
+            <a:ext cx="1832181" cy="43793"/>
+          </a:xfrm>
+          <a:prstGeom prst="line">
+            <a:avLst/>
+          </a:prstGeom>
+        </p:spPr>
+        <p:style>
+          <a:lnRef idx="1">
+            <a:schemeClr val="accent1"/>
+          </a:lnRef>
+          <a:fillRef idx="0">
+            <a:schemeClr val="accent1"/>
+          </a:fillRef>
+          <a:effectRef idx="0">
+            <a:schemeClr val="accent1"/>
+          </a:effectRef>
+          <a:fontRef idx="minor">
+            <a:schemeClr val="tx1"/>
+          </a:fontRef>
+        </p:style>
+      </p:cxnSp>
+      <p:cxnSp>
+        <p:nvCxnSpPr>
+          <p:cNvPr id="141" name="직선 연결선 140"/>
+          <p:cNvCxnSpPr>
+            <a:stCxn id="136" idx="3"/>
+            <a:endCxn id="5" idx="1"/>
+          </p:cNvCxnSpPr>
+          <p:nvPr/>
+        </p:nvCxnSpPr>
+        <p:spPr>
+          <a:xfrm flipV="1">
+            <a:off x="6906412" y="4685622"/>
+            <a:ext cx="523150" cy="193560"/>
+          </a:xfrm>
+          <a:prstGeom prst="line">
+            <a:avLst/>
+          </a:prstGeom>
+        </p:spPr>
+        <p:style>
+          <a:lnRef idx="1">
+            <a:schemeClr val="accent1"/>
+          </a:lnRef>
+          <a:fillRef idx="0">
+            <a:schemeClr val="accent1"/>
+          </a:fillRef>
+          <a:effectRef idx="0">
+            <a:schemeClr val="accent1"/>
+          </a:effectRef>
+          <a:fontRef idx="minor">
+            <a:schemeClr val="tx1"/>
+          </a:fontRef>
+        </p:style>
+      </p:cxnSp>
+      <p:sp>
+        <p:nvSpPr>
+          <p:cNvPr id="143" name="TextBox 142"/>
           <p:cNvSpPr txBox="1"/>
           <p:nvPr/>
         </p:nvSpPr>
         <p:spPr>
           <a:xfrm>
-            <a:off x="7989707" y="4327900"/>
+            <a:off x="8105560" y="3942509"/>
+            <a:ext cx="317716" cy="369332"/>
+          </a:xfrm>
+          <a:prstGeom prst="rect">
+            <a:avLst/>
+          </a:prstGeom>
+          <a:noFill/>
+        </p:spPr>
+        <p:txBody>
+          <a:bodyPr wrap="none" rtlCol="0">
+            <a:spAutoFit/>
+          </a:bodyPr>
+          <a:lstStyle/>
+          <a:p>
+            <a:r>
+              <a:rPr lang="en-US" altLang="ko-KR" dirty="0" smtClean="0"/>
+              <a:t>n</a:t>
+            </a:r>
+            <a:endParaRPr lang="ko-KR" altLang="en-US" dirty="0"/>
+          </a:p>
+        </p:txBody>
+      </p:sp>
+      <p:sp>
+        <p:nvSpPr>
+          <p:cNvPr id="144" name="TextBox 143"/>
+          <p:cNvSpPr txBox="1"/>
+          <p:nvPr/>
+        </p:nvSpPr>
+        <p:spPr>
+          <a:xfrm>
+            <a:off x="3410024" y="4595122"/>
             <a:ext cx="311304" cy="369332"/>
           </a:xfrm>
           <a:prstGeom prst="rect">
@@ -4744,30 +4838,22 @@
           <a:lstStyle/>
           <a:p>
             <a:r>
-              <a:rPr lang="en-US" altLang="ko-KR" dirty="0" smtClean="0">
-                <a:solidFill>
-                  <a:srgbClr val="FF0000"/>
-                </a:solidFill>
-              </a:rPr>
+              <a:rPr lang="en-US" altLang="ko-KR" dirty="0" smtClean="0"/>
               <a:t>1</a:t>
             </a:r>
-            <a:endParaRPr lang="ko-KR" altLang="en-US" dirty="0">
-              <a:solidFill>
-                <a:srgbClr val="FF0000"/>
-              </a:solidFill>
-            </a:endParaRPr>
-          </a:p>
-        </p:txBody>
-      </p:sp>
-      <p:sp>
-        <p:nvSpPr>
-          <p:cNvPr id="37" name="TextBox 36"/>
+            <a:endParaRPr lang="ko-KR" altLang="en-US" dirty="0"/>
+          </a:p>
+        </p:txBody>
+      </p:sp>
+      <p:sp>
+        <p:nvSpPr>
+          <p:cNvPr id="145" name="TextBox 144"/>
           <p:cNvSpPr txBox="1"/>
           <p:nvPr/>
         </p:nvSpPr>
         <p:spPr>
           <a:xfrm>
-            <a:off x="8012552" y="596350"/>
+            <a:off x="2627661" y="5353160"/>
             <a:ext cx="317716" cy="369332"/>
           </a:xfrm>
           <a:prstGeom prst="rect">
@@ -4782,21 +4868,109 @@
           <a:lstStyle/>
           <a:p>
             <a:r>
-              <a:rPr lang="en-US" altLang="ko-KR" dirty="0" smtClean="0">
-                <a:solidFill>
-                  <a:srgbClr val="FF0000"/>
-                </a:solidFill>
-              </a:rPr>
+              <a:rPr lang="en-US" altLang="ko-KR" dirty="0"/>
               <a:t>n</a:t>
             </a:r>
-            <a:endParaRPr lang="ko-KR" altLang="en-US" dirty="0">
-              <a:solidFill>
-                <a:srgbClr val="FF0000"/>
-              </a:solidFill>
-            </a:endParaRPr>
-          </a:p>
-        </p:txBody>
-      </p:sp>
+            <a:endParaRPr lang="ko-KR" altLang="en-US" dirty="0"/>
+          </a:p>
+        </p:txBody>
+      </p:sp>
+      <p:sp>
+        <p:nvSpPr>
+          <p:cNvPr id="146" name="TextBox 145"/>
+          <p:cNvSpPr txBox="1"/>
+          <p:nvPr/>
+        </p:nvSpPr>
+        <p:spPr>
+          <a:xfrm>
+            <a:off x="9566386" y="1590701"/>
+            <a:ext cx="311304" cy="369332"/>
+          </a:xfrm>
+          <a:prstGeom prst="rect">
+            <a:avLst/>
+          </a:prstGeom>
+          <a:noFill/>
+        </p:spPr>
+        <p:txBody>
+          <a:bodyPr wrap="none" rtlCol="0">
+            <a:spAutoFit/>
+          </a:bodyPr>
+          <a:lstStyle/>
+          <a:p>
+            <a:r>
+              <a:rPr lang="en-US" altLang="ko-KR" dirty="0" smtClean="0"/>
+              <a:t>1</a:t>
+            </a:r>
+            <a:endParaRPr lang="ko-KR" altLang="en-US" dirty="0"/>
+          </a:p>
+        </p:txBody>
+      </p:sp>
+      <p:cxnSp>
+        <p:nvCxnSpPr>
+          <p:cNvPr id="173" name="꺾인 연결선 172"/>
+          <p:cNvCxnSpPr>
+            <a:stCxn id="7" idx="2"/>
+            <a:endCxn id="39" idx="1"/>
+          </p:cNvCxnSpPr>
+          <p:nvPr/>
+        </p:nvCxnSpPr>
+        <p:spPr>
+          <a:xfrm rot="16200000" flipH="1">
+            <a:off x="3412822" y="4470358"/>
+            <a:ext cx="914364" cy="2582996"/>
+          </a:xfrm>
+          <a:prstGeom prst="bentConnector2">
+            <a:avLst/>
+          </a:prstGeom>
+        </p:spPr>
+        <p:style>
+          <a:lnRef idx="1">
+            <a:schemeClr val="accent1"/>
+          </a:lnRef>
+          <a:fillRef idx="0">
+            <a:schemeClr val="accent1"/>
+          </a:fillRef>
+          <a:effectRef idx="0">
+            <a:schemeClr val="accent1"/>
+          </a:effectRef>
+          <a:fontRef idx="minor">
+            <a:schemeClr val="tx1"/>
+          </a:fontRef>
+        </p:style>
+      </p:cxnSp>
+      <p:cxnSp>
+        <p:nvCxnSpPr>
+          <p:cNvPr id="179" name="꺾인 연결선 178"/>
+          <p:cNvCxnSpPr>
+            <a:stCxn id="39" idx="3"/>
+            <a:endCxn id="6" idx="2"/>
+          </p:cNvCxnSpPr>
+          <p:nvPr/>
+        </p:nvCxnSpPr>
+        <p:spPr>
+          <a:xfrm flipV="1">
+            <a:off x="6906412" y="1543144"/>
+            <a:ext cx="2429863" cy="4675894"/>
+          </a:xfrm>
+          <a:prstGeom prst="bentConnector2">
+            <a:avLst/>
+          </a:prstGeom>
+        </p:spPr>
+        <p:style>
+          <a:lnRef idx="1">
+            <a:schemeClr val="accent1"/>
+          </a:lnRef>
+          <a:fillRef idx="0">
+            <a:schemeClr val="accent1"/>
+          </a:fillRef>
+          <a:effectRef idx="0">
+            <a:schemeClr val="accent1"/>
+          </a:effectRef>
+          <a:fontRef idx="minor">
+            <a:schemeClr val="tx1"/>
+          </a:fontRef>
+        </p:style>
+      </p:cxnSp>
     </p:spTree>
     <p:extLst>
       <p:ext uri="{BB962C8B-B14F-4D97-AF65-F5344CB8AC3E}">
@@ -4842,7 +5016,7 @@
         </p:nvSpPr>
         <p:spPr>
           <a:xfrm>
-            <a:off x="209174" y="1456169"/>
+            <a:off x="1387178" y="416884"/>
             <a:ext cx="1501630" cy="763398"/>
           </a:xfrm>
           <a:prstGeom prst="rect">
@@ -4896,13 +5070,13 @@
           <p:nvPr>
             <p:extLst>
               <p:ext uri="{D42A27DB-BD31-4B8C-83A1-F6EECF244321}">
-                <p14:modId xmlns:p14="http://schemas.microsoft.com/office/powerpoint/2010/main" val="304361756"/>
+                <p14:modId xmlns:p14="http://schemas.microsoft.com/office/powerpoint/2010/main" val="702653939"/>
               </p:ext>
             </p:extLst>
           </p:nvPr>
         </p:nvGraphicFramePr>
         <p:xfrm>
-          <a:off x="1913096" y="683335"/>
+          <a:off x="228826" y="301636"/>
           <a:ext cx="1081080" cy="1574928"/>
         </p:xfrm>
         <a:graphic>
@@ -5072,7 +5246,7 @@
         </p:nvSpPr>
         <p:spPr>
           <a:xfrm>
-            <a:off x="209174" y="4334991"/>
+            <a:off x="1387178" y="4579785"/>
             <a:ext cx="1501630" cy="763398"/>
           </a:xfrm>
           <a:prstGeom prst="rect">
@@ -5125,7 +5299,7 @@
         </p:nvSpPr>
         <p:spPr>
           <a:xfrm>
-            <a:off x="9497185" y="1494865"/>
+            <a:off x="8633118" y="416884"/>
             <a:ext cx="1501630" cy="763398"/>
           </a:xfrm>
           <a:prstGeom prst="rect">
@@ -5178,7 +5352,7 @@
         </p:nvSpPr>
         <p:spPr>
           <a:xfrm>
-            <a:off x="9497185" y="4334991"/>
+            <a:off x="8633118" y="4579785"/>
             <a:ext cx="1501630" cy="763398"/>
           </a:xfrm>
           <a:prstGeom prst="rect">
@@ -5232,13 +5406,13 @@
           <p:nvPr>
             <p:extLst>
               <p:ext uri="{D42A27DB-BD31-4B8C-83A1-F6EECF244321}">
-                <p14:modId xmlns:p14="http://schemas.microsoft.com/office/powerpoint/2010/main" val="358571621"/>
+                <p14:modId xmlns:p14="http://schemas.microsoft.com/office/powerpoint/2010/main" val="2850088716"/>
               </p:ext>
             </p:extLst>
           </p:nvPr>
         </p:nvGraphicFramePr>
         <p:xfrm>
-          <a:off x="8197441" y="4334991"/>
+          <a:off x="10321516" y="4393922"/>
           <a:ext cx="1081080" cy="1760220"/>
         </p:xfrm>
         <a:graphic>
@@ -5427,13 +5601,13 @@
           <p:nvPr>
             <p:extLst>
               <p:ext uri="{D42A27DB-BD31-4B8C-83A1-F6EECF244321}">
-                <p14:modId xmlns:p14="http://schemas.microsoft.com/office/powerpoint/2010/main" val="3695993450"/>
+                <p14:modId xmlns:p14="http://schemas.microsoft.com/office/powerpoint/2010/main" val="1544650043"/>
               </p:ext>
             </p:extLst>
           </p:nvPr>
         </p:nvGraphicFramePr>
         <p:xfrm>
-          <a:off x="2453636" y="4334991"/>
+          <a:off x="229585" y="4543802"/>
           <a:ext cx="1081080" cy="2011680"/>
         </p:xfrm>
         <a:graphic>
@@ -5652,13 +5826,13 @@
           <p:nvPr>
             <p:extLst>
               <p:ext uri="{D42A27DB-BD31-4B8C-83A1-F6EECF244321}">
-                <p14:modId xmlns:p14="http://schemas.microsoft.com/office/powerpoint/2010/main" val="3063885099"/>
+                <p14:modId xmlns:p14="http://schemas.microsoft.com/office/powerpoint/2010/main" val="3812556279"/>
               </p:ext>
             </p:extLst>
           </p:nvPr>
         </p:nvGraphicFramePr>
         <p:xfrm>
-          <a:off x="7987716" y="246583"/>
+          <a:off x="10321516" y="301636"/>
           <a:ext cx="1290805" cy="2423160"/>
         </p:xfrm>
         <a:graphic>
@@ -5902,59 +6076,6 @@
           </a:graphicData>
         </a:graphic>
       </p:graphicFrame>
-      <p:sp>
-        <p:nvSpPr>
-          <p:cNvPr id="12" name="직사각형 11"/>
-          <p:cNvSpPr/>
-          <p:nvPr/>
-        </p:nvSpPr>
-        <p:spPr>
-          <a:xfrm>
-            <a:off x="5115263" y="3137366"/>
-            <a:ext cx="1501630" cy="763398"/>
-          </a:xfrm>
-          <a:prstGeom prst="rect">
-            <a:avLst/>
-          </a:prstGeom>
-          <a:noFill/>
-        </p:spPr>
-        <p:style>
-          <a:lnRef idx="2">
-            <a:schemeClr val="accent1">
-              <a:shade val="50000"/>
-            </a:schemeClr>
-          </a:lnRef>
-          <a:fillRef idx="1">
-            <a:schemeClr val="accent1"/>
-          </a:fillRef>
-          <a:effectRef idx="0">
-            <a:schemeClr val="accent1"/>
-          </a:effectRef>
-          <a:fontRef idx="minor">
-            <a:schemeClr val="lt1"/>
-          </a:fontRef>
-        </p:style>
-        <p:txBody>
-          <a:bodyPr rtlCol="0" anchor="ctr"/>
-          <a:lstStyle/>
-          <a:p>
-            <a:pPr algn="ctr"/>
-            <a:r>
-              <a:rPr lang="ko-KR" altLang="en-US" dirty="0" smtClean="0">
-                <a:solidFill>
-                  <a:schemeClr val="tx1"/>
-                </a:solidFill>
-              </a:rPr>
-              <a:t>정비</a:t>
-            </a:r>
-            <a:endParaRPr lang="ko-KR" altLang="en-US" dirty="0">
-              <a:solidFill>
-                <a:schemeClr val="tx1"/>
-              </a:solidFill>
-            </a:endParaRPr>
-          </a:p>
-        </p:txBody>
-      </p:sp>
       <p:graphicFrame>
         <p:nvGraphicFramePr>
           <p:cNvPr id="13" name="표 12"/>
@@ -5964,13 +6085,13 @@
           <p:nvPr>
             <p:extLst>
               <p:ext uri="{D42A27DB-BD31-4B8C-83A1-F6EECF244321}">
-                <p14:modId xmlns:p14="http://schemas.microsoft.com/office/powerpoint/2010/main" val="3479024408"/>
+                <p14:modId xmlns:p14="http://schemas.microsoft.com/office/powerpoint/2010/main" val="1755728988"/>
               </p:ext>
             </p:extLst>
           </p:nvPr>
         </p:nvGraphicFramePr>
         <p:xfrm>
-          <a:off x="5325537" y="4000501"/>
+          <a:off x="5150176" y="3591455"/>
           <a:ext cx="1291355" cy="2514600"/>
         </p:xfrm>
         <a:graphic>
@@ -6234,134 +6355,18 @@
       </p:graphicFrame>
       <p:sp>
         <p:nvSpPr>
-          <p:cNvPr id="14" name="자유형 13"/>
+          <p:cNvPr id="33" name="순서도: 판단 32"/>
           <p:cNvSpPr/>
           <p:nvPr/>
         </p:nvSpPr>
         <p:spPr>
           <a:xfrm>
-            <a:off x="2986481" y="788565"/>
-            <a:ext cx="2340528" cy="3628638"/>
+            <a:off x="4860252" y="324605"/>
+            <a:ext cx="1744910" cy="947956"/>
           </a:xfrm>
-          <a:custGeom>
+          <a:prstGeom prst="flowChartDecision">
             <a:avLst/>
-            <a:gdLst>
-              <a:gd name="connsiteX0" fmla="*/ 0 w 2340528"/>
-              <a:gd name="connsiteY0" fmla="*/ 0 h 3628638"/>
-              <a:gd name="connsiteX1" fmla="*/ 1275126 w 2340528"/>
-              <a:gd name="connsiteY1" fmla="*/ 2357307 h 3628638"/>
-              <a:gd name="connsiteX2" fmla="*/ 2340528 w 2340528"/>
-              <a:gd name="connsiteY2" fmla="*/ 3582099 h 3628638"/>
-            </a:gdLst>
-            <a:ahLst/>
-            <a:cxnLst>
-              <a:cxn ang="0">
-                <a:pos x="connsiteX0" y="connsiteY0"/>
-              </a:cxn>
-              <a:cxn ang="0">
-                <a:pos x="connsiteX1" y="connsiteY1"/>
-              </a:cxn>
-              <a:cxn ang="0">
-                <a:pos x="connsiteX2" y="connsiteY2"/>
-              </a:cxn>
-            </a:cxnLst>
-            <a:rect l="l" t="t" r="r" b="b"/>
-            <a:pathLst>
-              <a:path w="2340528" h="3628638">
-                <a:moveTo>
-                  <a:pt x="0" y="0"/>
-                </a:moveTo>
-                <a:cubicBezTo>
-                  <a:pt x="442519" y="880145"/>
-                  <a:pt x="885038" y="1760291"/>
-                  <a:pt x="1275126" y="2357307"/>
-                </a:cubicBezTo>
-                <a:cubicBezTo>
-                  <a:pt x="1665214" y="2954323"/>
-                  <a:pt x="2090256" y="3842158"/>
-                  <a:pt x="2340528" y="3582099"/>
-                </a:cubicBezTo>
-              </a:path>
-            </a:pathLst>
-          </a:custGeom>
-          <a:noFill/>
-          <a:ln>
-            <a:solidFill>
-              <a:srgbClr val="00B050"/>
-            </a:solidFill>
-          </a:ln>
-        </p:spPr>
-        <p:style>
-          <a:lnRef idx="2">
-            <a:schemeClr val="accent1">
-              <a:shade val="50000"/>
-            </a:schemeClr>
-          </a:lnRef>
-          <a:fillRef idx="1">
-            <a:schemeClr val="accent1"/>
-          </a:fillRef>
-          <a:effectRef idx="0">
-            <a:schemeClr val="accent1"/>
-          </a:effectRef>
-          <a:fontRef idx="minor">
-            <a:schemeClr val="lt1"/>
-          </a:fontRef>
-        </p:style>
-        <p:txBody>
-          <a:bodyPr rtlCol="0" anchor="ctr"/>
-          <a:lstStyle/>
-          <a:p>
-            <a:pPr algn="ctr"/>
-            <a:endParaRPr lang="ko-KR" altLang="en-US">
-              <a:solidFill>
-                <a:schemeClr val="accent4"/>
-              </a:solidFill>
-            </a:endParaRPr>
-          </a:p>
-        </p:txBody>
-      </p:sp>
-      <p:sp>
-        <p:nvSpPr>
-          <p:cNvPr id="15" name="자유형 14"/>
-          <p:cNvSpPr/>
-          <p:nvPr/>
-        </p:nvSpPr>
-        <p:spPr>
-          <a:xfrm>
-            <a:off x="6602136" y="4454554"/>
-            <a:ext cx="1619075" cy="610529"/>
-          </a:xfrm>
-          <a:custGeom>
-            <a:avLst/>
-            <a:gdLst>
-              <a:gd name="connsiteX0" fmla="*/ 1619075 w 1619075"/>
-              <a:gd name="connsiteY0" fmla="*/ 0 h 610529"/>
-              <a:gd name="connsiteX1" fmla="*/ 0 w 1619075"/>
-              <a:gd name="connsiteY1" fmla="*/ 159391 h 610529"/>
-            </a:gdLst>
-            <a:ahLst/>
-            <a:cxnLst>
-              <a:cxn ang="0">
-                <a:pos x="connsiteX0" y="connsiteY0"/>
-              </a:cxn>
-              <a:cxn ang="0">
-                <a:pos x="connsiteX1" y="connsiteY1"/>
-              </a:cxn>
-            </a:cxnLst>
-            <a:rect l="l" t="t" r="r" b="b"/>
-            <a:pathLst>
-              <a:path w="1619075" h="610529">
-                <a:moveTo>
-                  <a:pt x="1619075" y="0"/>
-                </a:moveTo>
-                <a:cubicBezTo>
-                  <a:pt x="1036040" y="499844"/>
-                  <a:pt x="453005" y="999688"/>
-                  <a:pt x="0" y="159391"/>
-                </a:cubicBezTo>
-              </a:path>
-            </a:pathLst>
-          </a:custGeom>
+          </a:prstGeom>
           <a:noFill/>
         </p:spPr>
         <p:style>
@@ -6385,62 +6390,102 @@
           <a:lstStyle/>
           <a:p>
             <a:pPr algn="ctr"/>
-            <a:endParaRPr lang="ko-KR" altLang="en-US"/>
-          </a:p>
-        </p:txBody>
-      </p:sp>
-      <p:sp>
-        <p:nvSpPr>
-          <p:cNvPr id="16" name="자유형 15"/>
+            <a:r>
+              <a:rPr lang="ko-KR" altLang="en-US" dirty="0" smtClean="0">
+                <a:solidFill>
+                  <a:schemeClr val="tx1"/>
+                </a:solidFill>
+              </a:rPr>
+              <a:t>대여</a:t>
+            </a:r>
+            <a:endParaRPr lang="ko-KR" altLang="en-US" dirty="0">
+              <a:solidFill>
+                <a:schemeClr val="tx1"/>
+              </a:solidFill>
+            </a:endParaRPr>
+          </a:p>
+        </p:txBody>
+      </p:sp>
+      <p:cxnSp>
+        <p:nvCxnSpPr>
+          <p:cNvPr id="3" name="직선 연결선 2"/>
+          <p:cNvCxnSpPr>
+            <a:stCxn id="33" idx="3"/>
+            <a:endCxn id="7" idx="1"/>
+          </p:cNvCxnSpPr>
+          <p:nvPr/>
+        </p:nvCxnSpPr>
+        <p:spPr>
+          <a:xfrm>
+            <a:off x="6605162" y="798583"/>
+            <a:ext cx="2027956" cy="0"/>
+          </a:xfrm>
+          <a:prstGeom prst="line">
+            <a:avLst/>
+          </a:prstGeom>
+        </p:spPr>
+        <p:style>
+          <a:lnRef idx="1">
+            <a:schemeClr val="accent1"/>
+          </a:lnRef>
+          <a:fillRef idx="0">
+            <a:schemeClr val="accent1"/>
+          </a:fillRef>
+          <a:effectRef idx="0">
+            <a:schemeClr val="accent1"/>
+          </a:effectRef>
+          <a:fontRef idx="minor">
+            <a:schemeClr val="tx1"/>
+          </a:fontRef>
+        </p:style>
+      </p:cxnSp>
+      <p:cxnSp>
+        <p:nvCxnSpPr>
+          <p:cNvPr id="36" name="직선 연결선 35"/>
+          <p:cNvCxnSpPr>
+            <a:stCxn id="33" idx="1"/>
+            <a:endCxn id="4" idx="3"/>
+          </p:cNvCxnSpPr>
+          <p:nvPr/>
+        </p:nvCxnSpPr>
+        <p:spPr>
+          <a:xfrm flipH="1">
+            <a:off x="2888808" y="798583"/>
+            <a:ext cx="1971444" cy="0"/>
+          </a:xfrm>
+          <a:prstGeom prst="line">
+            <a:avLst/>
+          </a:prstGeom>
+        </p:spPr>
+        <p:style>
+          <a:lnRef idx="1">
+            <a:schemeClr val="accent1"/>
+          </a:lnRef>
+          <a:fillRef idx="0">
+            <a:schemeClr val="accent1"/>
+          </a:fillRef>
+          <a:effectRef idx="0">
+            <a:schemeClr val="accent1"/>
+          </a:effectRef>
+          <a:fontRef idx="minor">
+            <a:schemeClr val="tx1"/>
+          </a:fontRef>
+        </p:style>
+      </p:cxnSp>
+      <p:sp>
+        <p:nvSpPr>
+          <p:cNvPr id="38" name="순서도: 판단 37"/>
           <p:cNvSpPr/>
           <p:nvPr/>
         </p:nvSpPr>
         <p:spPr>
           <a:xfrm>
-            <a:off x="3002565" y="897622"/>
-            <a:ext cx="4992143" cy="3437369"/>
+            <a:off x="4923399" y="2586680"/>
+            <a:ext cx="1744910" cy="947956"/>
           </a:xfrm>
-          <a:custGeom>
+          <a:prstGeom prst="flowChartDecision">
             <a:avLst/>
-            <a:gdLst>
-              <a:gd name="connsiteX0" fmla="*/ 0 w 4488110"/>
-              <a:gd name="connsiteY0" fmla="*/ 3540154 h 3540154"/>
-              <a:gd name="connsiteX1" fmla="*/ 1778466 w 4488110"/>
-              <a:gd name="connsiteY1" fmla="*/ 805343 h 3540154"/>
-              <a:gd name="connsiteX2" fmla="*/ 4488110 w 4488110"/>
-              <a:gd name="connsiteY2" fmla="*/ 0 h 3540154"/>
-            </a:gdLst>
-            <a:ahLst/>
-            <a:cxnLst>
-              <a:cxn ang="0">
-                <a:pos x="connsiteX0" y="connsiteY0"/>
-              </a:cxn>
-              <a:cxn ang="0">
-                <a:pos x="connsiteX1" y="connsiteY1"/>
-              </a:cxn>
-              <a:cxn ang="0">
-                <a:pos x="connsiteX2" y="connsiteY2"/>
-              </a:cxn>
-            </a:cxnLst>
-            <a:rect l="l" t="t" r="r" b="b"/>
-            <a:pathLst>
-              <a:path w="4488110" h="3540154">
-                <a:moveTo>
-                  <a:pt x="0" y="3540154"/>
-                </a:moveTo>
-                <a:cubicBezTo>
-                  <a:pt x="515224" y="2467761"/>
-                  <a:pt x="1030448" y="1395369"/>
-                  <a:pt x="1778466" y="805343"/>
-                </a:cubicBezTo>
-                <a:cubicBezTo>
-                  <a:pt x="2526484" y="215317"/>
-                  <a:pt x="4349692" y="199938"/>
-                  <a:pt x="4488110" y="0"/>
-                </a:cubicBezTo>
-              </a:path>
-            </a:pathLst>
-          </a:custGeom>
+          </a:prstGeom>
           <a:noFill/>
         </p:spPr>
         <p:style>
@@ -6464,62 +6509,36 @@
           <a:lstStyle/>
           <a:p>
             <a:pPr algn="ctr"/>
-            <a:endParaRPr lang="ko-KR" altLang="en-US"/>
-          </a:p>
-        </p:txBody>
-      </p:sp>
-      <p:sp>
-        <p:nvSpPr>
-          <p:cNvPr id="17" name="자유형 16"/>
+            <a:r>
+              <a:rPr lang="ko-KR" altLang="en-US" dirty="0" smtClean="0">
+                <a:solidFill>
+                  <a:schemeClr val="tx1"/>
+                </a:solidFill>
+              </a:rPr>
+              <a:t>정비</a:t>
+            </a:r>
+            <a:endParaRPr lang="ko-KR" altLang="en-US" dirty="0">
+              <a:solidFill>
+                <a:schemeClr val="tx1"/>
+              </a:solidFill>
+            </a:endParaRPr>
+          </a:p>
+        </p:txBody>
+      </p:sp>
+      <p:sp>
+        <p:nvSpPr>
+          <p:cNvPr id="39" name="순서도: 판단 38"/>
           <p:cNvSpPr/>
           <p:nvPr/>
         </p:nvSpPr>
         <p:spPr>
           <a:xfrm>
-            <a:off x="1623201" y="781926"/>
-            <a:ext cx="826384" cy="5442705"/>
+            <a:off x="1265538" y="2215206"/>
+            <a:ext cx="1744910" cy="947956"/>
           </a:xfrm>
-          <a:custGeom>
+          <a:prstGeom prst="flowChartDecision">
             <a:avLst/>
-            <a:gdLst>
-              <a:gd name="connsiteX0" fmla="*/ 826384 w 826384"/>
-              <a:gd name="connsiteY0" fmla="*/ 5442705 h 5442705"/>
-              <a:gd name="connsiteX1" fmla="*/ 180432 w 826384"/>
-              <a:gd name="connsiteY1" fmla="*/ 2221333 h 5442705"/>
-              <a:gd name="connsiteX2" fmla="*/ 289489 w 826384"/>
-              <a:gd name="connsiteY2" fmla="*/ 31806 h 5442705"/>
-            </a:gdLst>
-            <a:ahLst/>
-            <a:cxnLst>
-              <a:cxn ang="0">
-                <a:pos x="connsiteX0" y="connsiteY0"/>
-              </a:cxn>
-              <a:cxn ang="0">
-                <a:pos x="connsiteX1" y="connsiteY1"/>
-              </a:cxn>
-              <a:cxn ang="0">
-                <a:pos x="connsiteX2" y="connsiteY2"/>
-              </a:cxn>
-            </a:cxnLst>
-            <a:rect l="l" t="t" r="r" b="b"/>
-            <a:pathLst>
-              <a:path w="826384" h="5442705">
-                <a:moveTo>
-                  <a:pt x="826384" y="5442705"/>
-                </a:moveTo>
-                <a:cubicBezTo>
-                  <a:pt x="548149" y="4282927"/>
-                  <a:pt x="269914" y="3123149"/>
-                  <a:pt x="180432" y="2221333"/>
-                </a:cubicBezTo>
-                <a:cubicBezTo>
-                  <a:pt x="90949" y="1319516"/>
-                  <a:pt x="-230628" y="-242234"/>
-                  <a:pt x="289489" y="31806"/>
-                </a:cubicBezTo>
-              </a:path>
-            </a:pathLst>
-          </a:custGeom>
+          </a:prstGeom>
           <a:noFill/>
         </p:spPr>
         <p:style>
@@ -6543,265 +6562,162 @@
           <a:lstStyle/>
           <a:p>
             <a:pPr algn="ctr"/>
-            <a:endParaRPr lang="ko-KR" altLang="en-US"/>
-          </a:p>
-        </p:txBody>
-      </p:sp>
-      <p:sp>
-        <p:nvSpPr>
-          <p:cNvPr id="18" name="자유형 17"/>
-          <p:cNvSpPr/>
+            <a:r>
+              <a:rPr lang="ko-KR" altLang="en-US" dirty="0" smtClean="0">
+                <a:solidFill>
+                  <a:schemeClr val="tx1"/>
+                </a:solidFill>
+              </a:rPr>
+              <a:t>소속</a:t>
+            </a:r>
+            <a:endParaRPr lang="ko-KR" altLang="en-US" dirty="0">
+              <a:solidFill>
+                <a:schemeClr val="tx1"/>
+              </a:solidFill>
+            </a:endParaRPr>
+          </a:p>
+        </p:txBody>
+      </p:sp>
+      <p:cxnSp>
+        <p:nvCxnSpPr>
+          <p:cNvPr id="41" name="직선 연결선 40"/>
+          <p:cNvCxnSpPr>
+            <a:stCxn id="4" idx="2"/>
+            <a:endCxn id="39" idx="0"/>
+          </p:cNvCxnSpPr>
           <p:nvPr/>
-        </p:nvSpPr>
+        </p:nvCxnSpPr>
         <p:spPr>
           <a:xfrm>
-            <a:off x="2938637" y="791596"/>
-            <a:ext cx="2405150" cy="4074019"/>
+            <a:off x="2137993" y="1180282"/>
+            <a:ext cx="0" cy="1034924"/>
           </a:xfrm>
-          <a:custGeom>
+          <a:prstGeom prst="line">
             <a:avLst/>
-            <a:gdLst>
-              <a:gd name="connsiteX0" fmla="*/ 2405150 w 2405150"/>
-              <a:gd name="connsiteY0" fmla="*/ 4074019 h 4074019"/>
-              <a:gd name="connsiteX1" fmla="*/ 1113246 w 2405150"/>
-              <a:gd name="connsiteY1" fmla="*/ 332529 h 4074019"/>
-              <a:gd name="connsiteX2" fmla="*/ 56233 w 2405150"/>
-              <a:gd name="connsiteY2" fmla="*/ 5358 h 4074019"/>
-            </a:gdLst>
-            <a:ahLst/>
-            <a:cxnLst>
-              <a:cxn ang="0">
-                <a:pos x="connsiteX0" y="connsiteY0"/>
-              </a:cxn>
-              <a:cxn ang="0">
-                <a:pos x="connsiteX1" y="connsiteY1"/>
-              </a:cxn>
-              <a:cxn ang="0">
-                <a:pos x="connsiteX2" y="connsiteY2"/>
-              </a:cxn>
-            </a:cxnLst>
-            <a:rect l="l" t="t" r="r" b="b"/>
-            <a:pathLst>
-              <a:path w="2405150" h="4074019">
-                <a:moveTo>
-                  <a:pt x="2405150" y="4074019"/>
-                </a:moveTo>
-                <a:cubicBezTo>
-                  <a:pt x="1954941" y="2542329"/>
-                  <a:pt x="1504732" y="1010639"/>
-                  <a:pt x="1113246" y="332529"/>
-                </a:cubicBezTo>
-                <a:cubicBezTo>
-                  <a:pt x="721760" y="-345581"/>
-                  <a:pt x="-241576" y="268213"/>
-                  <a:pt x="56233" y="5358"/>
-                </a:cubicBezTo>
-              </a:path>
-            </a:pathLst>
-          </a:custGeom>
-          <a:noFill/>
+          </a:prstGeom>
         </p:spPr>
         <p:style>
-          <a:lnRef idx="2">
-            <a:schemeClr val="accent1">
-              <a:shade val="50000"/>
-            </a:schemeClr>
+          <a:lnRef idx="1">
+            <a:schemeClr val="accent1"/>
           </a:lnRef>
-          <a:fillRef idx="1">
+          <a:fillRef idx="0">
             <a:schemeClr val="accent1"/>
           </a:fillRef>
           <a:effectRef idx="0">
             <a:schemeClr val="accent1"/>
           </a:effectRef>
           <a:fontRef idx="minor">
-            <a:schemeClr val="lt1"/>
+            <a:schemeClr val="tx1"/>
           </a:fontRef>
         </p:style>
-        <p:txBody>
-          <a:bodyPr rtlCol="0" anchor="ctr"/>
-          <a:lstStyle/>
-          <a:p>
-            <a:pPr algn="ctr"/>
-            <a:endParaRPr lang="ko-KR" altLang="en-US"/>
-          </a:p>
-        </p:txBody>
-      </p:sp>
-      <p:sp>
-        <p:nvSpPr>
-          <p:cNvPr id="19" name="자유형 18"/>
-          <p:cNvSpPr/>
+      </p:cxnSp>
+      <p:cxnSp>
+        <p:nvCxnSpPr>
+          <p:cNvPr id="43" name="직선 연결선 42"/>
+          <p:cNvCxnSpPr>
+            <a:stCxn id="39" idx="2"/>
+            <a:endCxn id="6" idx="0"/>
+          </p:cNvCxnSpPr>
           <p:nvPr/>
-        </p:nvSpPr>
+        </p:nvCxnSpPr>
         <p:spPr>
           <a:xfrm>
-            <a:off x="2986481" y="763398"/>
-            <a:ext cx="5016616" cy="612396"/>
+            <a:off x="2137993" y="3163162"/>
+            <a:ext cx="0" cy="1416623"/>
           </a:xfrm>
-          <a:custGeom>
+          <a:prstGeom prst="line">
             <a:avLst/>
-            <a:gdLst>
-              <a:gd name="connsiteX0" fmla="*/ 5016616 w 5016616"/>
-              <a:gd name="connsiteY0" fmla="*/ 612396 h 612396"/>
-              <a:gd name="connsiteX1" fmla="*/ 0 w 5016616"/>
-              <a:gd name="connsiteY1" fmla="*/ 0 h 612396"/>
-            </a:gdLst>
-            <a:ahLst/>
-            <a:cxnLst>
-              <a:cxn ang="0">
-                <a:pos x="connsiteX0" y="connsiteY0"/>
-              </a:cxn>
-              <a:cxn ang="0">
-                <a:pos x="connsiteX1" y="connsiteY1"/>
-              </a:cxn>
-            </a:cxnLst>
-            <a:rect l="l" t="t" r="r" b="b"/>
-            <a:pathLst>
-              <a:path w="5016616" h="612396">
-                <a:moveTo>
-                  <a:pt x="5016616" y="612396"/>
-                </a:moveTo>
-                <a:cubicBezTo>
-                  <a:pt x="2668398" y="437625"/>
-                  <a:pt x="320180" y="262855"/>
-                  <a:pt x="0" y="0"/>
-                </a:cubicBezTo>
-              </a:path>
-            </a:pathLst>
-          </a:custGeom>
-          <a:noFill/>
-          <a:ln>
-            <a:solidFill>
-              <a:srgbClr val="FF0000"/>
-            </a:solidFill>
-          </a:ln>
+          </a:prstGeom>
         </p:spPr>
         <p:style>
-          <a:lnRef idx="2">
-            <a:schemeClr val="accent1">
-              <a:shade val="50000"/>
-            </a:schemeClr>
+          <a:lnRef idx="1">
+            <a:schemeClr val="accent1"/>
           </a:lnRef>
-          <a:fillRef idx="1">
+          <a:fillRef idx="0">
             <a:schemeClr val="accent1"/>
           </a:fillRef>
           <a:effectRef idx="0">
             <a:schemeClr val="accent1"/>
           </a:effectRef>
           <a:fontRef idx="minor">
-            <a:schemeClr val="lt1"/>
+            <a:schemeClr val="tx1"/>
           </a:fontRef>
         </p:style>
-        <p:txBody>
-          <a:bodyPr rtlCol="0" anchor="ctr"/>
-          <a:lstStyle/>
-          <a:p>
-            <a:pPr algn="ctr"/>
-            <a:endParaRPr lang="ko-KR" altLang="en-US">
-              <a:solidFill>
-                <a:srgbClr val="FF0000"/>
-              </a:solidFill>
-            </a:endParaRPr>
-          </a:p>
-        </p:txBody>
-      </p:sp>
-      <p:sp>
-        <p:nvSpPr>
-          <p:cNvPr id="20" name="자유형 19"/>
-          <p:cNvSpPr/>
+      </p:cxnSp>
+      <p:cxnSp>
+        <p:nvCxnSpPr>
+          <p:cNvPr id="45" name="직선 연결선 44"/>
+          <p:cNvCxnSpPr>
+            <a:endCxn id="38" idx="1"/>
+          </p:cNvCxnSpPr>
           <p:nvPr/>
-        </p:nvSpPr>
+        </p:nvCxnSpPr>
         <p:spPr>
           <a:xfrm>
-            <a:off x="3570202" y="2432807"/>
-            <a:ext cx="4416117" cy="2033167"/>
+            <a:off x="2868925" y="1175170"/>
+            <a:ext cx="2054474" cy="1885488"/>
           </a:xfrm>
-          <a:custGeom>
+          <a:prstGeom prst="line">
             <a:avLst/>
-            <a:gdLst>
-              <a:gd name="connsiteX0" fmla="*/ 4478525 w 4478525"/>
-              <a:gd name="connsiteY0" fmla="*/ 0 h 3825380"/>
-              <a:gd name="connsiteX1" fmla="*/ 980316 w 4478525"/>
-              <a:gd name="connsiteY1" fmla="*/ 587230 h 3825380"/>
-              <a:gd name="connsiteX2" fmla="*/ 862870 w 4478525"/>
-              <a:gd name="connsiteY2" fmla="*/ 3095538 h 3825380"/>
-              <a:gd name="connsiteX3" fmla="*/ 15582 w 4478525"/>
-              <a:gd name="connsiteY3" fmla="*/ 3825380 h 3825380"/>
-            </a:gdLst>
-            <a:ahLst/>
-            <a:cxnLst>
-              <a:cxn ang="0">
-                <a:pos x="connsiteX0" y="connsiteY0"/>
-              </a:cxn>
-              <a:cxn ang="0">
-                <a:pos x="connsiteX1" y="connsiteY1"/>
-              </a:cxn>
-              <a:cxn ang="0">
-                <a:pos x="connsiteX2" y="connsiteY2"/>
-              </a:cxn>
-              <a:cxn ang="0">
-                <a:pos x="connsiteX3" y="connsiteY3"/>
-              </a:cxn>
-            </a:cxnLst>
-            <a:rect l="l" t="t" r="r" b="b"/>
-            <a:pathLst>
-              <a:path w="4478525" h="3825380">
-                <a:moveTo>
-                  <a:pt x="4478525" y="0"/>
-                </a:moveTo>
-                <a:cubicBezTo>
-                  <a:pt x="3030725" y="35653"/>
-                  <a:pt x="1582925" y="71307"/>
-                  <a:pt x="980316" y="587230"/>
-                </a:cubicBezTo>
-                <a:cubicBezTo>
-                  <a:pt x="377707" y="1103153"/>
-                  <a:pt x="1023659" y="2555846"/>
-                  <a:pt x="862870" y="3095538"/>
-                </a:cubicBezTo>
-                <a:cubicBezTo>
-                  <a:pt x="702081" y="3635230"/>
-                  <a:pt x="-122836" y="3723314"/>
-                  <a:pt x="15582" y="3825380"/>
-                </a:cubicBezTo>
-              </a:path>
-            </a:pathLst>
-          </a:custGeom>
-          <a:noFill/>
+          </a:prstGeom>
         </p:spPr>
         <p:style>
-          <a:lnRef idx="2">
-            <a:schemeClr val="accent1">
-              <a:shade val="50000"/>
-            </a:schemeClr>
+          <a:lnRef idx="1">
+            <a:schemeClr val="accent1"/>
           </a:lnRef>
-          <a:fillRef idx="1">
+          <a:fillRef idx="0">
             <a:schemeClr val="accent1"/>
           </a:fillRef>
           <a:effectRef idx="0">
             <a:schemeClr val="accent1"/>
           </a:effectRef>
           <a:fontRef idx="minor">
-            <a:schemeClr val="lt1"/>
+            <a:schemeClr val="tx1"/>
           </a:fontRef>
         </p:style>
-        <p:txBody>
-          <a:bodyPr rtlCol="0" anchor="ctr"/>
-          <a:lstStyle/>
-          <a:p>
-            <a:pPr algn="ctr"/>
-            <a:endParaRPr lang="ko-KR" altLang="en-US"/>
-          </a:p>
-        </p:txBody>
-      </p:sp>
-      <p:sp>
-        <p:nvSpPr>
-          <p:cNvPr id="21" name="TextBox 20"/>
+      </p:cxnSp>
+      <p:cxnSp>
+        <p:nvCxnSpPr>
+          <p:cNvPr id="48" name="직선 연결선 47"/>
+          <p:cNvCxnSpPr>
+            <a:stCxn id="38" idx="3"/>
+            <a:endCxn id="8" idx="1"/>
+          </p:cNvCxnSpPr>
+          <p:nvPr/>
+        </p:nvCxnSpPr>
+        <p:spPr>
+          <a:xfrm>
+            <a:off x="6668309" y="3060658"/>
+            <a:ext cx="1964809" cy="1900826"/>
+          </a:xfrm>
+          <a:prstGeom prst="line">
+            <a:avLst/>
+          </a:prstGeom>
+        </p:spPr>
+        <p:style>
+          <a:lnRef idx="1">
+            <a:schemeClr val="accent1"/>
+          </a:lnRef>
+          <a:fillRef idx="0">
+            <a:schemeClr val="accent1"/>
+          </a:fillRef>
+          <a:effectRef idx="0">
+            <a:schemeClr val="accent1"/>
+          </a:effectRef>
+          <a:fontRef idx="minor">
+            <a:schemeClr val="tx1"/>
+          </a:fontRef>
+        </p:style>
+      </p:cxnSp>
+      <p:sp>
+        <p:nvSpPr>
+          <p:cNvPr id="52" name="TextBox 51"/>
           <p:cNvSpPr txBox="1"/>
           <p:nvPr/>
         </p:nvSpPr>
         <p:spPr>
           <a:xfrm>
-            <a:off x="7877748" y="4174470"/>
+            <a:off x="1743005" y="1272561"/>
             <a:ext cx="311304" cy="369332"/>
           </a:xfrm>
           <a:prstGeom prst="rect">
@@ -6816,7 +6732,7 @@
           <a:lstStyle/>
           <a:p>
             <a:r>
-              <a:rPr lang="en-US" altLang="ko-KR" dirty="0"/>
+              <a:rPr lang="en-US" altLang="ko-KR" dirty="0" smtClean="0"/>
               <a:t>1</a:t>
             </a:r>
             <a:endParaRPr lang="ko-KR" altLang="en-US" dirty="0"/>
@@ -6825,13 +6741,13 @@
       </p:sp>
       <p:sp>
         <p:nvSpPr>
-          <p:cNvPr id="22" name="TextBox 21"/>
+          <p:cNvPr id="53" name="TextBox 52"/>
           <p:cNvSpPr txBox="1"/>
           <p:nvPr/>
         </p:nvSpPr>
         <p:spPr>
           <a:xfrm>
-            <a:off x="6672362" y="4457726"/>
+            <a:off x="1726131" y="4155003"/>
             <a:ext cx="317716" cy="369332"/>
           </a:xfrm>
           <a:prstGeom prst="rect">
@@ -6846,7 +6762,7 @@
           <a:lstStyle/>
           <a:p>
             <a:r>
-              <a:rPr lang="en-US" altLang="ko-KR" dirty="0"/>
+              <a:rPr lang="en-US" altLang="ko-KR" dirty="0" smtClean="0"/>
               <a:t>n</a:t>
             </a:r>
             <a:endParaRPr lang="ko-KR" altLang="en-US" dirty="0"/>
@@ -6855,13 +6771,13 @@
       </p:sp>
       <p:sp>
         <p:nvSpPr>
-          <p:cNvPr id="23" name="TextBox 22"/>
+          <p:cNvPr id="54" name="TextBox 53"/>
           <p:cNvSpPr txBox="1"/>
           <p:nvPr/>
         </p:nvSpPr>
         <p:spPr>
           <a:xfrm>
-            <a:off x="7634514" y="2159657"/>
+            <a:off x="3075576" y="990504"/>
             <a:ext cx="317716" cy="369332"/>
           </a:xfrm>
           <a:prstGeom prst="rect">
@@ -6876,7 +6792,7 @@
           <a:lstStyle/>
           <a:p>
             <a:r>
-              <a:rPr lang="en-US" altLang="ko-KR" dirty="0"/>
+              <a:rPr lang="en-US" altLang="ko-KR" dirty="0" smtClean="0"/>
               <a:t>n</a:t>
             </a:r>
             <a:endParaRPr lang="ko-KR" altLang="en-US" dirty="0"/>
@@ -6885,13 +6801,73 @@
       </p:sp>
       <p:sp>
         <p:nvSpPr>
-          <p:cNvPr id="24" name="TextBox 23"/>
+          <p:cNvPr id="55" name="TextBox 54"/>
           <p:cNvSpPr txBox="1"/>
           <p:nvPr/>
         </p:nvSpPr>
         <p:spPr>
           <a:xfrm>
-            <a:off x="3583727" y="4215686"/>
+            <a:off x="8128634" y="4776818"/>
+            <a:ext cx="388248" cy="369332"/>
+          </a:xfrm>
+          <a:prstGeom prst="rect">
+            <a:avLst/>
+          </a:prstGeom>
+          <a:noFill/>
+        </p:spPr>
+        <p:txBody>
+          <a:bodyPr wrap="none" rtlCol="0">
+            <a:spAutoFit/>
+          </a:bodyPr>
+          <a:lstStyle/>
+          <a:p>
+            <a:r>
+              <a:rPr lang="en-US" altLang="ko-KR" dirty="0" smtClean="0"/>
+              <a:t>m</a:t>
+            </a:r>
+            <a:endParaRPr lang="ko-KR" altLang="en-US" dirty="0"/>
+          </a:p>
+        </p:txBody>
+      </p:sp>
+      <p:sp>
+        <p:nvSpPr>
+          <p:cNvPr id="56" name="TextBox 55"/>
+          <p:cNvSpPr txBox="1"/>
+          <p:nvPr/>
+        </p:nvSpPr>
+        <p:spPr>
+          <a:xfrm>
+            <a:off x="3020146" y="351165"/>
+            <a:ext cx="311304" cy="369332"/>
+          </a:xfrm>
+          <a:prstGeom prst="rect">
+            <a:avLst/>
+          </a:prstGeom>
+          <a:noFill/>
+        </p:spPr>
+        <p:txBody>
+          <a:bodyPr wrap="none" rtlCol="0">
+            <a:spAutoFit/>
+          </a:bodyPr>
+          <a:lstStyle/>
+          <a:p>
+            <a:r>
+              <a:rPr lang="en-US" altLang="ko-KR" dirty="0"/>
+              <a:t>1</a:t>
+            </a:r>
+            <a:endParaRPr lang="ko-KR" altLang="en-US" dirty="0"/>
+          </a:p>
+        </p:txBody>
+      </p:sp>
+      <p:sp>
+        <p:nvSpPr>
+          <p:cNvPr id="57" name="TextBox 56"/>
+          <p:cNvSpPr txBox="1"/>
+          <p:nvPr/>
+        </p:nvSpPr>
+        <p:spPr>
+          <a:xfrm>
+            <a:off x="8132774" y="388214"/>
             <a:ext cx="317716" cy="369332"/>
           </a:xfrm>
           <a:prstGeom prst="rect">
@@ -6906,292 +6882,10 @@
           <a:lstStyle/>
           <a:p>
             <a:r>
-              <a:rPr lang="en-US" altLang="ko-KR" dirty="0"/>
+              <a:rPr lang="en-US" altLang="ko-KR" dirty="0" smtClean="0"/>
               <a:t>n</a:t>
             </a:r>
             <a:endParaRPr lang="ko-KR" altLang="en-US" dirty="0"/>
-          </a:p>
-        </p:txBody>
-      </p:sp>
-      <p:sp>
-        <p:nvSpPr>
-          <p:cNvPr id="25" name="TextBox 24"/>
-          <p:cNvSpPr txBox="1"/>
-          <p:nvPr/>
-        </p:nvSpPr>
-        <p:spPr>
-          <a:xfrm>
-            <a:off x="2146670" y="5997377"/>
-            <a:ext cx="311304" cy="369332"/>
-          </a:xfrm>
-          <a:prstGeom prst="rect">
-            <a:avLst/>
-          </a:prstGeom>
-          <a:noFill/>
-        </p:spPr>
-        <p:txBody>
-          <a:bodyPr wrap="none" rtlCol="0">
-            <a:spAutoFit/>
-          </a:bodyPr>
-          <a:lstStyle/>
-          <a:p>
-            <a:r>
-              <a:rPr lang="en-US" altLang="ko-KR" dirty="0"/>
-              <a:t>1</a:t>
-            </a:r>
-            <a:endParaRPr lang="ko-KR" altLang="en-US" dirty="0"/>
-          </a:p>
-        </p:txBody>
-      </p:sp>
-      <p:sp>
-        <p:nvSpPr>
-          <p:cNvPr id="26" name="TextBox 25"/>
-          <p:cNvSpPr txBox="1"/>
-          <p:nvPr/>
-        </p:nvSpPr>
-        <p:spPr>
-          <a:xfrm>
-            <a:off x="1504355" y="578732"/>
-            <a:ext cx="317716" cy="369332"/>
-          </a:xfrm>
-          <a:prstGeom prst="rect">
-            <a:avLst/>
-          </a:prstGeom>
-          <a:noFill/>
-        </p:spPr>
-        <p:txBody>
-          <a:bodyPr wrap="none" rtlCol="0">
-            <a:spAutoFit/>
-          </a:bodyPr>
-          <a:lstStyle/>
-          <a:p>
-            <a:r>
-              <a:rPr lang="en-US" altLang="ko-KR" dirty="0"/>
-              <a:t>n</a:t>
-            </a:r>
-            <a:endParaRPr lang="ko-KR" altLang="en-US" dirty="0"/>
-          </a:p>
-        </p:txBody>
-      </p:sp>
-      <p:sp>
-        <p:nvSpPr>
-          <p:cNvPr id="27" name="TextBox 26"/>
-          <p:cNvSpPr txBox="1"/>
-          <p:nvPr/>
-        </p:nvSpPr>
-        <p:spPr>
-          <a:xfrm>
-            <a:off x="2982664" y="428095"/>
-            <a:ext cx="317716" cy="369332"/>
-          </a:xfrm>
-          <a:prstGeom prst="rect">
-            <a:avLst/>
-          </a:prstGeom>
-          <a:noFill/>
-          <a:ln>
-            <a:solidFill>
-              <a:srgbClr val="FF0000"/>
-            </a:solidFill>
-          </a:ln>
-        </p:spPr>
-        <p:txBody>
-          <a:bodyPr wrap="none" rtlCol="0">
-            <a:spAutoFit/>
-          </a:bodyPr>
-          <a:lstStyle/>
-          <a:p>
-            <a:r>
-              <a:rPr lang="en-US" altLang="ko-KR" dirty="0">
-                <a:solidFill>
-                  <a:srgbClr val="FF0000"/>
-                </a:solidFill>
-              </a:rPr>
-              <a:t>n</a:t>
-            </a:r>
-            <a:endParaRPr lang="ko-KR" altLang="en-US" dirty="0">
-              <a:solidFill>
-                <a:srgbClr val="FF0000"/>
-              </a:solidFill>
-            </a:endParaRPr>
-          </a:p>
-        </p:txBody>
-      </p:sp>
-      <p:sp>
-        <p:nvSpPr>
-          <p:cNvPr id="28" name="TextBox 27"/>
-          <p:cNvSpPr txBox="1"/>
-          <p:nvPr/>
-        </p:nvSpPr>
-        <p:spPr>
-          <a:xfrm>
-            <a:off x="7560668" y="1250650"/>
-            <a:ext cx="388248" cy="369332"/>
-          </a:xfrm>
-          <a:prstGeom prst="rect">
-            <a:avLst/>
-          </a:prstGeom>
-          <a:noFill/>
-          <a:ln>
-            <a:solidFill>
-              <a:srgbClr val="FF0000"/>
-            </a:solidFill>
-          </a:ln>
-        </p:spPr>
-        <p:txBody>
-          <a:bodyPr wrap="none" rtlCol="0">
-            <a:spAutoFit/>
-          </a:bodyPr>
-          <a:lstStyle/>
-          <a:p>
-            <a:r>
-              <a:rPr lang="en-US" altLang="ko-KR" dirty="0" smtClean="0">
-                <a:solidFill>
-                  <a:srgbClr val="FF0000"/>
-                </a:solidFill>
-              </a:rPr>
-              <a:t>m</a:t>
-            </a:r>
-            <a:endParaRPr lang="ko-KR" altLang="en-US" dirty="0">
-              <a:solidFill>
-                <a:srgbClr val="FF0000"/>
-              </a:solidFill>
-            </a:endParaRPr>
-          </a:p>
-        </p:txBody>
-      </p:sp>
-      <p:sp>
-        <p:nvSpPr>
-          <p:cNvPr id="29" name="TextBox 28"/>
-          <p:cNvSpPr txBox="1"/>
-          <p:nvPr/>
-        </p:nvSpPr>
-        <p:spPr>
-          <a:xfrm>
-            <a:off x="7599140" y="668947"/>
-            <a:ext cx="311304" cy="369332"/>
-          </a:xfrm>
-          <a:prstGeom prst="rect">
-            <a:avLst/>
-          </a:prstGeom>
-          <a:noFill/>
-        </p:spPr>
-        <p:txBody>
-          <a:bodyPr wrap="none" rtlCol="0">
-            <a:spAutoFit/>
-          </a:bodyPr>
-          <a:lstStyle/>
-          <a:p>
-            <a:r>
-              <a:rPr lang="en-US" altLang="ko-KR" dirty="0"/>
-              <a:t>1</a:t>
-            </a:r>
-            <a:endParaRPr lang="ko-KR" altLang="en-US" dirty="0"/>
-          </a:p>
-        </p:txBody>
-      </p:sp>
-      <p:sp>
-        <p:nvSpPr>
-          <p:cNvPr id="30" name="TextBox 29"/>
-          <p:cNvSpPr txBox="1"/>
-          <p:nvPr/>
-        </p:nvSpPr>
-        <p:spPr>
-          <a:xfrm>
-            <a:off x="2866725" y="3916888"/>
-            <a:ext cx="311304" cy="369332"/>
-          </a:xfrm>
-          <a:prstGeom prst="rect">
-            <a:avLst/>
-          </a:prstGeom>
-          <a:noFill/>
-        </p:spPr>
-        <p:txBody>
-          <a:bodyPr wrap="none" rtlCol="0">
-            <a:spAutoFit/>
-          </a:bodyPr>
-          <a:lstStyle/>
-          <a:p>
-            <a:r>
-              <a:rPr lang="en-US" altLang="ko-KR" dirty="0"/>
-              <a:t>1</a:t>
-            </a:r>
-            <a:endParaRPr lang="ko-KR" altLang="en-US" dirty="0"/>
-          </a:p>
-        </p:txBody>
-      </p:sp>
-      <p:sp>
-        <p:nvSpPr>
-          <p:cNvPr id="31" name="TextBox 30"/>
-          <p:cNvSpPr txBox="1"/>
-          <p:nvPr/>
-        </p:nvSpPr>
-        <p:spPr>
-          <a:xfrm>
-            <a:off x="4719792" y="4215686"/>
-            <a:ext cx="317716" cy="369332"/>
-          </a:xfrm>
-          <a:prstGeom prst="rect">
-            <a:avLst/>
-          </a:prstGeom>
-          <a:noFill/>
-        </p:spPr>
-        <p:txBody>
-          <a:bodyPr wrap="none" rtlCol="0">
-            <a:spAutoFit/>
-          </a:bodyPr>
-          <a:lstStyle/>
-          <a:p>
-            <a:r>
-              <a:rPr lang="en-US" altLang="ko-KR" dirty="0">
-                <a:solidFill>
-                  <a:srgbClr val="00B050"/>
-                </a:solidFill>
-              </a:rPr>
-              <a:t>n</a:t>
-            </a:r>
-            <a:endParaRPr lang="ko-KR" altLang="en-US" dirty="0">
-              <a:solidFill>
-                <a:srgbClr val="00B050"/>
-              </a:solidFill>
-            </a:endParaRPr>
-          </a:p>
-        </p:txBody>
-      </p:sp>
-      <p:sp>
-        <p:nvSpPr>
-          <p:cNvPr id="32" name="TextBox 31"/>
-          <p:cNvSpPr txBox="1"/>
-          <p:nvPr/>
-        </p:nvSpPr>
-        <p:spPr>
-          <a:xfrm>
-            <a:off x="2943561" y="893220"/>
-            <a:ext cx="311304" cy="369332"/>
-          </a:xfrm>
-          <a:prstGeom prst="rect">
-            <a:avLst/>
-          </a:prstGeom>
-          <a:noFill/>
-        </p:spPr>
-        <p:txBody>
-          <a:bodyPr wrap="none" rtlCol="0">
-            <a:spAutoFit/>
-          </a:bodyPr>
-          <a:lstStyle/>
-          <a:p>
-            <a:r>
-              <a:rPr lang="en-US" altLang="ko-KR" dirty="0" smtClean="0">
-                <a:solidFill>
-                  <a:srgbClr val="00B050"/>
-                </a:solidFill>
-              </a:rPr>
-              <a:t>1</a:t>
-            </a:r>
-            <a:endParaRPr lang="ko-KR" altLang="en-US" dirty="0">
-              <a:solidFill>
-                <a:srgbClr val="00B050"/>
-              </a:solidFill>
-            </a:endParaRPr>
           </a:p>
         </p:txBody>
       </p:sp>
